--- a/Study/14. X11, X13 Algorithm.pptx
+++ b/Study/14. X11, X13 Algorithm.pptx
@@ -5,12 +5,17 @@
     <p:sldMasterId id="2147483648" r:id="rId1"/>
   </p:sldMasterIdLst>
   <p:notesMasterIdLst>
-    <p:notesMasterId r:id="rId5"/>
+    <p:notesMasterId r:id="rId10"/>
   </p:notesMasterIdLst>
   <p:sldIdLst>
     <p:sldId id="256" r:id="rId2"/>
     <p:sldId id="293" r:id="rId3"/>
-    <p:sldId id="294" r:id="rId4"/>
+    <p:sldId id="297" r:id="rId4"/>
+    <p:sldId id="296" r:id="rId5"/>
+    <p:sldId id="295" r:id="rId6"/>
+    <p:sldId id="298" r:id="rId7"/>
+    <p:sldId id="299" r:id="rId8"/>
+    <p:sldId id="294" r:id="rId9"/>
   </p:sldIdLst>
   <p:sldSz cx="12192000" cy="6858000"/>
   <p:notesSz cx="6797675" cy="9926638"/>
@@ -199,7 +204,7 @@
           <a:p>
             <a:fld id="{8DD9E706-E0BA-4FBD-AF15-9E3682821587}" type="datetimeFigureOut">
               <a:rPr lang="ko-KR" altLang="en-US" smtClean="0"/>
-              <a:t>2018-12-28</a:t>
+              <a:t>2019-01-03</a:t>
             </a:fld>
             <a:endParaRPr lang="ko-KR" altLang="en-US"/>
           </a:p>
@@ -597,6 +602,83 @@
             <a:pPr marL="0" indent="0">
               <a:buNone/>
             </a:pPr>
+            <a:r>
+              <a:rPr lang="ko-KR" altLang="en-US" sz="1200" b="0" i="0" kern="1200" dirty="0">
+                <a:solidFill>
+                  <a:schemeClr val="tx1"/>
+                </a:solidFill>
+                <a:effectLst/>
+                <a:latin typeface="+mn-lt"/>
+                <a:ea typeface="+mn-ea"/>
+                <a:cs typeface="+mn-cs"/>
+              </a:rPr>
+              <a:t>작업 증명 방식</a:t>
+            </a:r>
+            <a:r>
+              <a:rPr lang="en-US" altLang="ko-KR" sz="1200" b="0" i="0" kern="1200" dirty="0">
+                <a:solidFill>
+                  <a:schemeClr val="tx1"/>
+                </a:solidFill>
+                <a:effectLst/>
+                <a:latin typeface="+mn-lt"/>
+                <a:ea typeface="+mn-ea"/>
+                <a:cs typeface="+mn-cs"/>
+              </a:rPr>
+              <a:t>(POW)</a:t>
+            </a:r>
+            <a:r>
+              <a:rPr lang="ko-KR" altLang="en-US" sz="1200" b="0" i="0" kern="1200" dirty="0">
+                <a:solidFill>
+                  <a:schemeClr val="tx1"/>
+                </a:solidFill>
+                <a:effectLst/>
+                <a:latin typeface="+mn-lt"/>
+                <a:ea typeface="+mn-ea"/>
+                <a:cs typeface="+mn-cs"/>
+              </a:rPr>
+              <a:t>에서 사용되는 </a:t>
+            </a:r>
+            <a:r>
+              <a:rPr lang="en-US" altLang="ko-KR" sz="1200" b="0" i="0" kern="1200" dirty="0">
+                <a:solidFill>
+                  <a:schemeClr val="tx1"/>
+                </a:solidFill>
+                <a:effectLst/>
+                <a:latin typeface="+mn-lt"/>
+                <a:ea typeface="+mn-ea"/>
+                <a:cs typeface="+mn-cs"/>
+              </a:rPr>
+              <a:t>11</a:t>
+            </a:r>
+            <a:r>
+              <a:rPr lang="ko-KR" altLang="en-US" sz="1200" b="0" i="0" kern="1200" dirty="0">
+                <a:solidFill>
+                  <a:schemeClr val="tx1"/>
+                </a:solidFill>
+                <a:effectLst/>
+                <a:latin typeface="+mn-lt"/>
+                <a:ea typeface="+mn-ea"/>
+                <a:cs typeface="+mn-cs"/>
+              </a:rPr>
+              <a:t>가지 해시알고리즘의 집합임</a:t>
+            </a:r>
+            <a:r>
+              <a:rPr lang="en-US" altLang="ko-KR" sz="1200" b="0" i="0" kern="1200" dirty="0">
+                <a:solidFill>
+                  <a:schemeClr val="tx1"/>
+                </a:solidFill>
+                <a:effectLst/>
+                <a:latin typeface="+mn-lt"/>
+                <a:ea typeface="+mn-ea"/>
+                <a:cs typeface="+mn-cs"/>
+              </a:rPr>
+              <a:t>.</a:t>
+            </a:r>
+          </a:p>
+          <a:p>
+            <a:pPr marL="0" indent="0">
+              <a:buNone/>
+            </a:pPr>
             <a:endParaRPr lang="en-US" altLang="ko-KR" sz="1200" b="0" i="0" kern="1200" dirty="0">
               <a:solidFill>
                 <a:schemeClr val="tx1"/>
@@ -692,6 +774,191 @@
             <a:pPr marL="0" indent="0">
               <a:buNone/>
             </a:pPr>
+            <a:r>
+              <a:rPr lang="ko-KR" altLang="en-US" sz="1200" b="0" i="0" kern="1200" dirty="0">
+                <a:solidFill>
+                  <a:schemeClr val="tx1"/>
+                </a:solidFill>
+                <a:effectLst/>
+                <a:latin typeface="+mn-lt"/>
+                <a:ea typeface="+mn-ea"/>
+                <a:cs typeface="+mn-cs"/>
+              </a:rPr>
+              <a:t>미 국립표준기술원</a:t>
+            </a:r>
+            <a:r>
+              <a:rPr lang="en-US" altLang="ko-KR" sz="1200" b="0" i="0" kern="1200" dirty="0">
+                <a:solidFill>
+                  <a:schemeClr val="tx1"/>
+                </a:solidFill>
+                <a:effectLst/>
+                <a:latin typeface="+mn-lt"/>
+                <a:ea typeface="+mn-ea"/>
+                <a:cs typeface="+mn-cs"/>
+              </a:rPr>
+              <a:t>(NIST)</a:t>
+            </a:r>
+            <a:r>
+              <a:rPr lang="ko-KR" altLang="en-US" sz="1200" b="0" i="0" kern="1200" dirty="0">
+                <a:solidFill>
+                  <a:schemeClr val="tx1"/>
+                </a:solidFill>
+                <a:effectLst/>
+                <a:latin typeface="+mn-lt"/>
+                <a:ea typeface="+mn-ea"/>
+                <a:cs typeface="+mn-cs"/>
+              </a:rPr>
+              <a:t>는 </a:t>
+            </a:r>
+            <a:r>
+              <a:rPr lang="en-US" altLang="ko-KR" sz="1200" b="0" i="0" kern="1200" dirty="0">
+                <a:solidFill>
+                  <a:schemeClr val="tx1"/>
+                </a:solidFill>
+                <a:effectLst/>
+                <a:latin typeface="+mn-lt"/>
+                <a:ea typeface="+mn-ea"/>
+                <a:cs typeface="+mn-cs"/>
+              </a:rPr>
+              <a:t>1995</a:t>
+            </a:r>
+            <a:r>
+              <a:rPr lang="ko-KR" altLang="en-US" sz="1200" b="0" i="0" kern="1200" dirty="0">
+                <a:solidFill>
+                  <a:schemeClr val="tx1"/>
+                </a:solidFill>
+                <a:effectLst/>
+                <a:latin typeface="+mn-lt"/>
+                <a:ea typeface="+mn-ea"/>
+                <a:cs typeface="+mn-cs"/>
+              </a:rPr>
+              <a:t>년부터 </a:t>
+            </a:r>
+            <a:r>
+              <a:rPr lang="en-US" altLang="ko-KR" sz="1200" b="0" i="0" kern="1200" dirty="0">
+                <a:solidFill>
+                  <a:schemeClr val="tx1"/>
+                </a:solidFill>
+                <a:effectLst/>
+                <a:latin typeface="+mn-lt"/>
+                <a:ea typeface="+mn-ea"/>
+                <a:cs typeface="+mn-cs"/>
+              </a:rPr>
+              <a:t>SHA-1</a:t>
+            </a:r>
+            <a:r>
+              <a:rPr lang="ko-KR" altLang="en-US" sz="1200" b="0" i="0" kern="1200" dirty="0">
+                <a:solidFill>
+                  <a:schemeClr val="tx1"/>
+                </a:solidFill>
+                <a:effectLst/>
+                <a:latin typeface="+mn-lt"/>
+                <a:ea typeface="+mn-ea"/>
+                <a:cs typeface="+mn-cs"/>
+              </a:rPr>
+              <a:t>과 </a:t>
+            </a:r>
+            <a:r>
+              <a:rPr lang="en-US" altLang="ko-KR" sz="1200" b="0" i="0" kern="1200" dirty="0">
+                <a:solidFill>
+                  <a:schemeClr val="tx1"/>
+                </a:solidFill>
+                <a:effectLst/>
+                <a:latin typeface="+mn-lt"/>
+                <a:ea typeface="+mn-ea"/>
+                <a:cs typeface="+mn-cs"/>
+              </a:rPr>
+              <a:t>SHA-2</a:t>
+            </a:r>
+            <a:r>
+              <a:rPr lang="ko-KR" altLang="en-US" sz="1200" b="0" i="0" kern="1200" dirty="0">
+                <a:solidFill>
+                  <a:schemeClr val="tx1"/>
+                </a:solidFill>
+                <a:effectLst/>
+                <a:latin typeface="+mn-lt"/>
+                <a:ea typeface="+mn-ea"/>
+                <a:cs typeface="+mn-cs"/>
+              </a:rPr>
+              <a:t>를 만들었고 과거에는 </a:t>
+            </a:r>
+            <a:r>
+              <a:rPr lang="en-US" altLang="ko-KR" sz="1200" b="0" i="0" kern="1200" dirty="0">
+                <a:solidFill>
+                  <a:schemeClr val="tx1"/>
+                </a:solidFill>
+                <a:effectLst/>
+                <a:latin typeface="+mn-lt"/>
+                <a:ea typeface="+mn-ea"/>
+                <a:cs typeface="+mn-cs"/>
+              </a:rPr>
+              <a:t>SHA-1</a:t>
+            </a:r>
+            <a:r>
+              <a:rPr lang="ko-KR" altLang="en-US" sz="1200" b="0" i="0" kern="1200" dirty="0">
+                <a:solidFill>
+                  <a:schemeClr val="tx1"/>
+                </a:solidFill>
+                <a:effectLst/>
+                <a:latin typeface="+mn-lt"/>
+                <a:ea typeface="+mn-ea"/>
+                <a:cs typeface="+mn-cs"/>
+              </a:rPr>
+              <a:t>이 암호화의 표준이었음</a:t>
+            </a:r>
+            <a:r>
+              <a:rPr lang="en-US" altLang="ko-KR" sz="1200" b="0" i="0" kern="1200" dirty="0">
+                <a:solidFill>
+                  <a:schemeClr val="tx1"/>
+                </a:solidFill>
+                <a:effectLst/>
+                <a:latin typeface="+mn-lt"/>
+                <a:ea typeface="+mn-ea"/>
+                <a:cs typeface="+mn-cs"/>
+              </a:rPr>
+              <a:t>.</a:t>
+            </a:r>
+          </a:p>
+          <a:p>
+            <a:pPr marL="0" indent="0">
+              <a:buNone/>
+            </a:pPr>
+            <a:r>
+              <a:rPr lang="ko-KR" altLang="en-US" sz="1200" b="0" i="0" kern="1200" dirty="0">
+                <a:solidFill>
+                  <a:schemeClr val="tx1"/>
+                </a:solidFill>
+                <a:effectLst/>
+                <a:latin typeface="+mn-lt"/>
+                <a:ea typeface="+mn-ea"/>
+                <a:cs typeface="+mn-cs"/>
+              </a:rPr>
+              <a:t>그러나 </a:t>
+            </a:r>
+            <a:r>
+              <a:rPr lang="en-US" altLang="ko-KR" sz="1200" b="0" i="0" kern="1200" dirty="0">
+                <a:solidFill>
+                  <a:schemeClr val="tx1"/>
+                </a:solidFill>
+                <a:effectLst/>
+                <a:latin typeface="+mn-lt"/>
+                <a:ea typeface="+mn-ea"/>
+                <a:cs typeface="+mn-cs"/>
+              </a:rPr>
+              <a:t>SHA-1</a:t>
+            </a:r>
+            <a:r>
+              <a:rPr lang="ko-KR" altLang="en-US" sz="1200" b="0" i="0" kern="1200" dirty="0">
+                <a:solidFill>
+                  <a:schemeClr val="tx1"/>
+                </a:solidFill>
+                <a:effectLst/>
+                <a:latin typeface="+mn-lt"/>
+                <a:ea typeface="+mn-ea"/>
+                <a:cs typeface="+mn-cs"/>
+              </a:rPr>
+              <a:t>에 대한 이론적인 공격방법들에 대한 문서들이 공개되고 안전하지 않다는 주장이 계속되어</a:t>
+            </a:r>
             <a:endParaRPr lang="en-US" altLang="ko-KR" sz="1200" b="0" i="0" kern="1200" dirty="0">
               <a:solidFill>
                 <a:schemeClr val="tx1"/>
@@ -702,6 +969,645 @@
               <a:cs typeface="+mn-cs"/>
             </a:endParaRPr>
           </a:p>
+          <a:p>
+            <a:pPr marL="0" indent="0">
+              <a:buNone/>
+            </a:pPr>
+            <a:r>
+              <a:rPr lang="en-US" altLang="ko-KR" sz="1200" b="0" i="0" kern="1200" dirty="0">
+                <a:solidFill>
+                  <a:schemeClr val="tx1"/>
+                </a:solidFill>
+                <a:effectLst/>
+                <a:latin typeface="+mn-lt"/>
+                <a:ea typeface="+mn-ea"/>
+                <a:cs typeface="+mn-cs"/>
+              </a:rPr>
+              <a:t>2011</a:t>
+            </a:r>
+            <a:r>
+              <a:rPr lang="ko-KR" altLang="en-US" sz="1200" b="0" i="0" kern="1200" dirty="0">
+                <a:solidFill>
+                  <a:schemeClr val="tx1"/>
+                </a:solidFill>
+                <a:effectLst/>
+                <a:latin typeface="+mn-lt"/>
+                <a:ea typeface="+mn-ea"/>
+                <a:cs typeface="+mn-cs"/>
+              </a:rPr>
+              <a:t>년 </a:t>
+            </a:r>
+            <a:r>
+              <a:rPr lang="en-US" altLang="ko-KR" sz="1200" b="0" i="0" kern="1200" dirty="0">
+                <a:solidFill>
+                  <a:schemeClr val="tx1"/>
+                </a:solidFill>
+                <a:effectLst/>
+                <a:latin typeface="+mn-lt"/>
+                <a:ea typeface="+mn-ea"/>
+                <a:cs typeface="+mn-cs"/>
+              </a:rPr>
+              <a:t>SHA-2</a:t>
+            </a:r>
+            <a:r>
+              <a:rPr lang="ko-KR" altLang="en-US" sz="1200" b="0" i="0" kern="1200" dirty="0">
+                <a:solidFill>
+                  <a:schemeClr val="tx1"/>
+                </a:solidFill>
+                <a:effectLst/>
+                <a:latin typeface="+mn-lt"/>
+                <a:ea typeface="+mn-ea"/>
+                <a:cs typeface="+mn-cs"/>
+              </a:rPr>
+              <a:t>가 새로운 암호화의 표준이 되었음</a:t>
+            </a:r>
+            <a:r>
+              <a:rPr lang="en-US" altLang="ko-KR" sz="1200" b="0" i="0" kern="1200" dirty="0">
+                <a:solidFill>
+                  <a:schemeClr val="tx1"/>
+                </a:solidFill>
+                <a:effectLst/>
+                <a:latin typeface="+mn-lt"/>
+                <a:ea typeface="+mn-ea"/>
+                <a:cs typeface="+mn-cs"/>
+              </a:rPr>
+              <a:t>. </a:t>
+            </a:r>
+            <a:r>
+              <a:rPr lang="ko-KR" altLang="en-US" sz="1200" b="0" i="0" kern="1200" dirty="0">
+                <a:solidFill>
+                  <a:schemeClr val="tx1"/>
+                </a:solidFill>
+                <a:effectLst/>
+                <a:latin typeface="+mn-lt"/>
+                <a:ea typeface="+mn-ea"/>
+                <a:cs typeface="+mn-cs"/>
+              </a:rPr>
+              <a:t>그 이후로</a:t>
+            </a:r>
+            <a:r>
+              <a:rPr lang="en-US" altLang="ko-KR" sz="1200" b="0" i="0" kern="1200" dirty="0">
+                <a:solidFill>
+                  <a:schemeClr val="tx1"/>
+                </a:solidFill>
+                <a:effectLst/>
+                <a:latin typeface="+mn-lt"/>
+                <a:ea typeface="+mn-ea"/>
+                <a:cs typeface="+mn-cs"/>
+              </a:rPr>
+              <a:t> SHA-1</a:t>
+            </a:r>
+            <a:r>
+              <a:rPr lang="ko-KR" altLang="en-US" sz="1200" b="0" i="0" kern="1200" dirty="0">
+                <a:solidFill>
+                  <a:schemeClr val="tx1"/>
+                </a:solidFill>
+                <a:effectLst/>
+                <a:latin typeface="+mn-lt"/>
+                <a:ea typeface="+mn-ea"/>
+                <a:cs typeface="+mn-cs"/>
+              </a:rPr>
+              <a:t>의 사용을 중단할 것을 권고하였음</a:t>
+            </a:r>
+            <a:r>
+              <a:rPr lang="en-US" altLang="ko-KR" sz="1200" b="0" i="0" kern="1200" dirty="0">
+                <a:solidFill>
+                  <a:schemeClr val="tx1"/>
+                </a:solidFill>
+                <a:effectLst/>
+                <a:latin typeface="+mn-lt"/>
+                <a:ea typeface="+mn-ea"/>
+                <a:cs typeface="+mn-cs"/>
+              </a:rPr>
+              <a:t>.</a:t>
+            </a:r>
+          </a:p>
+          <a:p>
+            <a:pPr marL="0" indent="0">
+              <a:buNone/>
+            </a:pPr>
+            <a:r>
+              <a:rPr lang="ko-KR" altLang="en-US" sz="1200" b="0" i="0" kern="1200" dirty="0">
+                <a:solidFill>
+                  <a:schemeClr val="tx1"/>
+                </a:solidFill>
+                <a:effectLst/>
+                <a:latin typeface="+mn-lt"/>
+                <a:ea typeface="+mn-ea"/>
+                <a:cs typeface="+mn-cs"/>
+              </a:rPr>
+              <a:t>그리고 </a:t>
+            </a:r>
+            <a:r>
+              <a:rPr lang="en-US" altLang="ko-KR" sz="1200" b="0" i="0" kern="1200" dirty="0">
+                <a:solidFill>
+                  <a:schemeClr val="tx1"/>
+                </a:solidFill>
+                <a:effectLst/>
+                <a:latin typeface="+mn-lt"/>
+                <a:ea typeface="+mn-ea"/>
+                <a:cs typeface="+mn-cs"/>
+              </a:rPr>
+              <a:t>2017</a:t>
+            </a:r>
+            <a:r>
+              <a:rPr lang="ko-KR" altLang="en-US" sz="1200" b="0" i="0" kern="1200" dirty="0">
+                <a:solidFill>
+                  <a:schemeClr val="tx1"/>
+                </a:solidFill>
+                <a:effectLst/>
+                <a:latin typeface="+mn-lt"/>
+                <a:ea typeface="+mn-ea"/>
+                <a:cs typeface="+mn-cs"/>
+              </a:rPr>
+              <a:t>년</a:t>
+            </a:r>
+            <a:r>
+              <a:rPr lang="en-US" altLang="ko-KR" sz="1200" b="0" i="0" kern="1200" dirty="0">
+                <a:solidFill>
+                  <a:schemeClr val="tx1"/>
+                </a:solidFill>
+                <a:effectLst/>
+                <a:latin typeface="+mn-lt"/>
+                <a:ea typeface="+mn-ea"/>
+                <a:cs typeface="+mn-cs"/>
+              </a:rPr>
+              <a:t>, </a:t>
+            </a:r>
+            <a:r>
+              <a:rPr lang="ko-KR" altLang="en-US" sz="1200" b="0" i="0" kern="1200" dirty="0">
+                <a:solidFill>
+                  <a:schemeClr val="tx1"/>
+                </a:solidFill>
+                <a:effectLst/>
+                <a:latin typeface="+mn-lt"/>
+                <a:ea typeface="+mn-ea"/>
+                <a:cs typeface="+mn-cs"/>
+              </a:rPr>
+              <a:t>구글에서 실제로 </a:t>
+            </a:r>
+            <a:r>
+              <a:rPr lang="en-US" altLang="ko-KR" sz="1200" b="0" i="0" kern="1200" dirty="0">
+                <a:solidFill>
+                  <a:schemeClr val="tx1"/>
+                </a:solidFill>
+                <a:effectLst/>
+                <a:latin typeface="+mn-lt"/>
+                <a:ea typeface="+mn-ea"/>
+                <a:cs typeface="+mn-cs"/>
+              </a:rPr>
+              <a:t>SHA-1</a:t>
+            </a:r>
+            <a:r>
+              <a:rPr lang="ko-KR" altLang="en-US" sz="1200" b="0" i="0" kern="1200" dirty="0">
+                <a:solidFill>
+                  <a:schemeClr val="tx1"/>
+                </a:solidFill>
+                <a:effectLst/>
+                <a:latin typeface="+mn-lt"/>
+                <a:ea typeface="+mn-ea"/>
+                <a:cs typeface="+mn-cs"/>
+              </a:rPr>
+              <a:t>이 안전하지 않다는 것을 증명함</a:t>
+            </a:r>
+            <a:r>
+              <a:rPr lang="en-US" altLang="ko-KR" sz="1200" b="0" i="0" kern="1200" dirty="0">
+                <a:solidFill>
+                  <a:schemeClr val="tx1"/>
+                </a:solidFill>
+                <a:effectLst/>
+                <a:latin typeface="+mn-lt"/>
+                <a:ea typeface="+mn-ea"/>
+                <a:cs typeface="+mn-cs"/>
+              </a:rPr>
+              <a:t>.</a:t>
+            </a:r>
+          </a:p>
+          <a:p>
+            <a:pPr marL="0" indent="0">
+              <a:buNone/>
+            </a:pPr>
+            <a:r>
+              <a:rPr lang="ko-KR" altLang="en-US" sz="1200" b="0" i="0" kern="1200" dirty="0">
+                <a:solidFill>
+                  <a:schemeClr val="tx1"/>
+                </a:solidFill>
+                <a:effectLst/>
+                <a:latin typeface="+mn-lt"/>
+                <a:ea typeface="+mn-ea"/>
+                <a:cs typeface="+mn-cs"/>
+              </a:rPr>
+              <a:t>그리고 </a:t>
+            </a:r>
+            <a:r>
+              <a:rPr lang="en-US" altLang="ko-KR" sz="1200" b="0" i="0" kern="1200" dirty="0">
+                <a:solidFill>
+                  <a:schemeClr val="tx1"/>
+                </a:solidFill>
+                <a:effectLst/>
+                <a:latin typeface="+mn-lt"/>
+                <a:ea typeface="+mn-ea"/>
+                <a:cs typeface="+mn-cs"/>
+              </a:rPr>
+              <a:t>SHA-2 </a:t>
+            </a:r>
+            <a:r>
+              <a:rPr lang="ko-KR" altLang="en-US" sz="1200" b="0" i="0" kern="1200" dirty="0">
+                <a:solidFill>
+                  <a:schemeClr val="tx1"/>
+                </a:solidFill>
+                <a:effectLst/>
+                <a:latin typeface="+mn-lt"/>
+                <a:ea typeface="+mn-ea"/>
+                <a:cs typeface="+mn-cs"/>
+              </a:rPr>
+              <a:t>역시 </a:t>
+            </a:r>
+            <a:r>
+              <a:rPr lang="en-US" altLang="ko-KR" sz="1200" b="0" i="0" kern="1200" dirty="0">
+                <a:solidFill>
+                  <a:schemeClr val="tx1"/>
+                </a:solidFill>
+                <a:effectLst/>
+                <a:latin typeface="+mn-lt"/>
+                <a:ea typeface="+mn-ea"/>
+                <a:cs typeface="+mn-cs"/>
+              </a:rPr>
+              <a:t>SHA-1</a:t>
+            </a:r>
+            <a:r>
+              <a:rPr lang="ko-KR" altLang="en-US" sz="1200" b="0" i="0" kern="1200" dirty="0">
+                <a:solidFill>
+                  <a:schemeClr val="tx1"/>
+                </a:solidFill>
+                <a:effectLst/>
+                <a:latin typeface="+mn-lt"/>
+                <a:ea typeface="+mn-ea"/>
+                <a:cs typeface="+mn-cs"/>
+              </a:rPr>
+              <a:t>과 동일한 </a:t>
+            </a:r>
+            <a:r>
+              <a:rPr lang="ko-KR" altLang="en-US" sz="1200" b="0" i="0" kern="1200" dirty="0" err="1">
+                <a:solidFill>
+                  <a:schemeClr val="tx1"/>
+                </a:solidFill>
+                <a:effectLst/>
+                <a:latin typeface="+mn-lt"/>
+                <a:ea typeface="+mn-ea"/>
+                <a:cs typeface="+mn-cs"/>
+              </a:rPr>
+              <a:t>수학점</a:t>
+            </a:r>
+            <a:r>
+              <a:rPr lang="ko-KR" altLang="en-US" sz="1200" b="0" i="0" kern="1200" dirty="0">
+                <a:solidFill>
+                  <a:schemeClr val="tx1"/>
+                </a:solidFill>
+                <a:effectLst/>
+                <a:latin typeface="+mn-lt"/>
+                <a:ea typeface="+mn-ea"/>
+                <a:cs typeface="+mn-cs"/>
+              </a:rPr>
+              <a:t> 결함이 있고 </a:t>
+            </a:r>
+            <a:r>
+              <a:rPr lang="en-US" altLang="ko-KR" sz="1200" b="0" i="0" kern="1200" dirty="0">
+                <a:solidFill>
+                  <a:schemeClr val="tx1"/>
+                </a:solidFill>
+                <a:effectLst/>
+                <a:latin typeface="+mn-lt"/>
+                <a:ea typeface="+mn-ea"/>
+                <a:cs typeface="+mn-cs"/>
+              </a:rPr>
+              <a:t>SHA-2</a:t>
+            </a:r>
+            <a:r>
+              <a:rPr lang="ko-KR" altLang="en-US" sz="1200" b="0" i="0" kern="1200" dirty="0">
+                <a:solidFill>
+                  <a:schemeClr val="tx1"/>
+                </a:solidFill>
+                <a:effectLst/>
+                <a:latin typeface="+mn-lt"/>
+                <a:ea typeface="+mn-ea"/>
+                <a:cs typeface="+mn-cs"/>
+              </a:rPr>
+              <a:t>가 </a:t>
+            </a:r>
+            <a:r>
+              <a:rPr lang="en-US" altLang="ko-KR" sz="1200" b="0" i="0" kern="1200" dirty="0">
+                <a:solidFill>
+                  <a:schemeClr val="tx1"/>
+                </a:solidFill>
+                <a:effectLst/>
+                <a:latin typeface="+mn-lt"/>
+                <a:ea typeface="+mn-ea"/>
+                <a:cs typeface="+mn-cs"/>
+              </a:rPr>
+              <a:t>SHA-1</a:t>
+            </a:r>
+            <a:r>
+              <a:rPr lang="ko-KR" altLang="en-US" sz="1200" b="0" i="0" kern="1200" dirty="0">
+                <a:solidFill>
+                  <a:schemeClr val="tx1"/>
+                </a:solidFill>
+                <a:effectLst/>
+                <a:latin typeface="+mn-lt"/>
+                <a:ea typeface="+mn-ea"/>
+                <a:cs typeface="+mn-cs"/>
+              </a:rPr>
+              <a:t>에 비해 좋은 점은 비트의 길이수를 제외하곤 없다</a:t>
+            </a:r>
+            <a:r>
+              <a:rPr lang="en-US" altLang="ko-KR" sz="1200" b="0" i="0" kern="1200" dirty="0">
+                <a:solidFill>
+                  <a:schemeClr val="tx1"/>
+                </a:solidFill>
+                <a:effectLst/>
+                <a:latin typeface="+mn-lt"/>
+                <a:ea typeface="+mn-ea"/>
+                <a:cs typeface="+mn-cs"/>
+              </a:rPr>
+              <a:t> </a:t>
+            </a:r>
+            <a:r>
+              <a:rPr lang="ko-KR" altLang="en-US" sz="1200" b="0" i="0" kern="1200" dirty="0">
+                <a:solidFill>
+                  <a:schemeClr val="tx1"/>
+                </a:solidFill>
+                <a:effectLst/>
+                <a:latin typeface="+mn-lt"/>
+                <a:ea typeface="+mn-ea"/>
+                <a:cs typeface="+mn-cs"/>
+              </a:rPr>
+              <a:t>라는 주장이</a:t>
+            </a:r>
+            <a:endParaRPr lang="en-US" altLang="ko-KR" sz="1200" b="0" i="0" kern="1200" dirty="0">
+              <a:solidFill>
+                <a:schemeClr val="tx1"/>
+              </a:solidFill>
+              <a:effectLst/>
+              <a:latin typeface="+mn-lt"/>
+              <a:ea typeface="+mn-ea"/>
+              <a:cs typeface="+mn-cs"/>
+            </a:endParaRPr>
+          </a:p>
+          <a:p>
+            <a:pPr marL="0" indent="0">
+              <a:buNone/>
+            </a:pPr>
+            <a:r>
+              <a:rPr lang="ko-KR" altLang="en-US" sz="1200" b="0" i="0" kern="1200" dirty="0">
+                <a:solidFill>
+                  <a:schemeClr val="tx1"/>
+                </a:solidFill>
+                <a:effectLst/>
+                <a:latin typeface="+mn-lt"/>
+                <a:ea typeface="+mn-ea"/>
+                <a:cs typeface="+mn-cs"/>
+              </a:rPr>
+              <a:t>나오면서 </a:t>
+            </a:r>
+            <a:r>
+              <a:rPr lang="en-US" altLang="ko-KR" sz="1200" b="0" i="0" kern="1200" dirty="0">
+                <a:solidFill>
+                  <a:schemeClr val="tx1"/>
+                </a:solidFill>
+                <a:effectLst/>
+                <a:latin typeface="+mn-lt"/>
+                <a:ea typeface="+mn-ea"/>
+                <a:cs typeface="+mn-cs"/>
+              </a:rPr>
+              <a:t>SHA-3</a:t>
+            </a:r>
+            <a:r>
+              <a:rPr lang="ko-KR" altLang="en-US" sz="1200" b="0" i="0" kern="1200" dirty="0">
+                <a:solidFill>
+                  <a:schemeClr val="tx1"/>
+                </a:solidFill>
+                <a:effectLst/>
+                <a:latin typeface="+mn-lt"/>
+                <a:ea typeface="+mn-ea"/>
+                <a:cs typeface="+mn-cs"/>
+              </a:rPr>
+              <a:t>에 대한 관심은 더욱더 </a:t>
+            </a:r>
+            <a:r>
+              <a:rPr lang="ko-KR" altLang="en-US" sz="1200" b="0" i="0" kern="1200" dirty="0" err="1">
+                <a:solidFill>
+                  <a:schemeClr val="tx1"/>
+                </a:solidFill>
+                <a:effectLst/>
+                <a:latin typeface="+mn-lt"/>
+                <a:ea typeface="+mn-ea"/>
+                <a:cs typeface="+mn-cs"/>
+              </a:rPr>
+              <a:t>증가하게됨</a:t>
+            </a:r>
+            <a:r>
+              <a:rPr lang="en-US" altLang="ko-KR" sz="1200" b="0" i="0" kern="1200" dirty="0">
+                <a:solidFill>
+                  <a:schemeClr val="tx1"/>
+                </a:solidFill>
+                <a:effectLst/>
+                <a:latin typeface="+mn-lt"/>
+                <a:ea typeface="+mn-ea"/>
+                <a:cs typeface="+mn-cs"/>
+              </a:rPr>
+              <a:t>.</a:t>
+            </a:r>
+          </a:p>
+          <a:p>
+            <a:pPr marL="0" indent="0">
+              <a:buNone/>
+            </a:pPr>
+            <a:r>
+              <a:rPr lang="en-US" altLang="ko-KR" sz="1200" b="0" i="0" kern="1200" dirty="0">
+                <a:solidFill>
+                  <a:schemeClr val="tx1"/>
+                </a:solidFill>
+                <a:effectLst/>
+                <a:latin typeface="+mn-lt"/>
+                <a:ea typeface="+mn-ea"/>
+                <a:cs typeface="+mn-cs"/>
+              </a:rPr>
+              <a:t>SHA3</a:t>
+            </a:r>
+            <a:r>
+              <a:rPr lang="ko-KR" altLang="en-US" sz="1200" b="0" i="0" kern="1200" dirty="0">
+                <a:solidFill>
+                  <a:schemeClr val="tx1"/>
+                </a:solidFill>
+                <a:effectLst/>
+                <a:latin typeface="+mn-lt"/>
+                <a:ea typeface="+mn-ea"/>
+                <a:cs typeface="+mn-cs"/>
+              </a:rPr>
+              <a:t>는 </a:t>
+            </a:r>
+            <a:r>
+              <a:rPr lang="en-US" altLang="ko-KR" sz="1200" b="0" i="0" kern="1200" dirty="0">
+                <a:solidFill>
+                  <a:schemeClr val="tx1"/>
+                </a:solidFill>
+                <a:effectLst/>
+                <a:latin typeface="+mn-lt"/>
+                <a:ea typeface="+mn-ea"/>
+                <a:cs typeface="+mn-cs"/>
+              </a:rPr>
+              <a:t>NIST</a:t>
+            </a:r>
+            <a:r>
+              <a:rPr lang="ko-KR" altLang="en-US" sz="1200" b="0" i="0" kern="1200" dirty="0">
+                <a:solidFill>
+                  <a:schemeClr val="tx1"/>
+                </a:solidFill>
+                <a:effectLst/>
+                <a:latin typeface="+mn-lt"/>
+                <a:ea typeface="+mn-ea"/>
+                <a:cs typeface="+mn-cs"/>
+              </a:rPr>
+              <a:t>에서 주최한 </a:t>
+            </a:r>
+            <a:r>
+              <a:rPr lang="ko-KR" altLang="en-US" sz="1200" b="0" i="0" kern="1200" dirty="0" err="1">
+                <a:solidFill>
+                  <a:schemeClr val="tx1"/>
+                </a:solidFill>
+                <a:effectLst/>
+                <a:latin typeface="+mn-lt"/>
+                <a:ea typeface="+mn-ea"/>
+                <a:cs typeface="+mn-cs"/>
+              </a:rPr>
+              <a:t>해싱</a:t>
+            </a:r>
+            <a:r>
+              <a:rPr lang="ko-KR" altLang="en-US" sz="1200" b="0" i="0" kern="1200" dirty="0">
+                <a:solidFill>
+                  <a:schemeClr val="tx1"/>
+                </a:solidFill>
+                <a:effectLst/>
+                <a:latin typeface="+mn-lt"/>
+                <a:ea typeface="+mn-ea"/>
+                <a:cs typeface="+mn-cs"/>
+              </a:rPr>
+              <a:t> 알고리즘에 대한 공개적인 대회를 통해 선별됨</a:t>
+            </a:r>
+            <a:r>
+              <a:rPr lang="en-US" altLang="ko-KR" sz="1200" b="0" i="0" kern="1200" dirty="0">
+                <a:solidFill>
+                  <a:schemeClr val="tx1"/>
+                </a:solidFill>
+                <a:effectLst/>
+                <a:latin typeface="+mn-lt"/>
+                <a:ea typeface="+mn-ea"/>
+                <a:cs typeface="+mn-cs"/>
+              </a:rPr>
+              <a:t>.</a:t>
+            </a:r>
+          </a:p>
+          <a:p>
+            <a:pPr marL="0" indent="0">
+              <a:buNone/>
+            </a:pPr>
+            <a:r>
+              <a:rPr lang="ko-KR" altLang="en-US" sz="1200" b="0" i="0" kern="1200" dirty="0">
+                <a:solidFill>
+                  <a:schemeClr val="tx1"/>
+                </a:solidFill>
+                <a:effectLst/>
+                <a:latin typeface="+mn-lt"/>
+                <a:ea typeface="+mn-ea"/>
+                <a:cs typeface="+mn-cs"/>
+              </a:rPr>
+              <a:t>수많은 팀에서 자신들의 알고리즘을 뽐냈고 최종적으로 </a:t>
+            </a:r>
+            <a:r>
+              <a:rPr lang="en-US" altLang="ko-KR" sz="1200" b="0" i="0" kern="1200" dirty="0">
+                <a:solidFill>
+                  <a:schemeClr val="tx1"/>
+                </a:solidFill>
+                <a:effectLst/>
+                <a:latin typeface="+mn-lt"/>
+                <a:ea typeface="+mn-ea"/>
+                <a:cs typeface="+mn-cs"/>
+              </a:rPr>
+              <a:t>Keccak(</a:t>
+            </a:r>
+            <a:r>
+              <a:rPr lang="ko-KR" altLang="en-US" sz="1200" b="0" i="0" kern="1200" dirty="0" err="1">
+                <a:solidFill>
+                  <a:schemeClr val="tx1"/>
+                </a:solidFill>
+                <a:effectLst/>
+                <a:latin typeface="+mn-lt"/>
+                <a:ea typeface="+mn-ea"/>
+                <a:cs typeface="+mn-cs"/>
+              </a:rPr>
+              <a:t>케착</a:t>
+            </a:r>
+            <a:r>
+              <a:rPr lang="en-US" altLang="ko-KR" sz="1200" b="0" i="0" kern="1200" dirty="0">
+                <a:solidFill>
+                  <a:schemeClr val="tx1"/>
+                </a:solidFill>
+                <a:effectLst/>
+                <a:latin typeface="+mn-lt"/>
+                <a:ea typeface="+mn-ea"/>
+                <a:cs typeface="+mn-cs"/>
+              </a:rPr>
+              <a:t>) </a:t>
+            </a:r>
+            <a:r>
+              <a:rPr lang="ko-KR" altLang="en-US" sz="1200" b="0" i="0" kern="1200" dirty="0">
+                <a:solidFill>
+                  <a:schemeClr val="tx1"/>
+                </a:solidFill>
+                <a:effectLst/>
+                <a:latin typeface="+mn-lt"/>
+                <a:ea typeface="+mn-ea"/>
+                <a:cs typeface="+mn-cs"/>
+              </a:rPr>
+              <a:t>알고리즘이 </a:t>
+            </a:r>
+            <a:r>
+              <a:rPr lang="en-US" altLang="ko-KR" sz="1200" b="0" i="0" kern="1200" dirty="0">
+                <a:solidFill>
+                  <a:schemeClr val="tx1"/>
+                </a:solidFill>
+                <a:effectLst/>
+                <a:latin typeface="+mn-lt"/>
+                <a:ea typeface="+mn-ea"/>
+                <a:cs typeface="+mn-cs"/>
+              </a:rPr>
+              <a:t>SHA-3</a:t>
+            </a:r>
+            <a:r>
+              <a:rPr lang="ko-KR" altLang="en-US" sz="1200" b="0" i="0" kern="1200" dirty="0">
+                <a:solidFill>
+                  <a:schemeClr val="tx1"/>
+                </a:solidFill>
+                <a:effectLst/>
+                <a:latin typeface="+mn-lt"/>
+                <a:ea typeface="+mn-ea"/>
+                <a:cs typeface="+mn-cs"/>
+              </a:rPr>
+              <a:t>로 선정됨</a:t>
+            </a:r>
+            <a:r>
+              <a:rPr lang="en-US" altLang="ko-KR" sz="1200" b="0" i="0" kern="1200" dirty="0">
+                <a:solidFill>
+                  <a:schemeClr val="tx1"/>
+                </a:solidFill>
+                <a:effectLst/>
+                <a:latin typeface="+mn-lt"/>
+                <a:ea typeface="+mn-ea"/>
+                <a:cs typeface="+mn-cs"/>
+              </a:rPr>
+              <a:t>.</a:t>
+            </a:r>
+          </a:p>
         </p:txBody>
       </p:sp>
       <p:sp>
@@ -722,6 +1628,762 @@
             <a:fld id="{AF4B4130-2D9F-4E6D-9707-8718AD09D43C}" type="slidenum">
               <a:rPr lang="ko-KR" altLang="en-US" smtClean="0"/>
               <a:t>3</a:t>
+            </a:fld>
+            <a:endParaRPr lang="ko-KR" altLang="en-US"/>
+          </a:p>
+        </p:txBody>
+      </p:sp>
+    </p:spTree>
+    <p:extLst>
+      <p:ext uri="{BB962C8B-B14F-4D97-AF65-F5344CB8AC3E}">
+        <p14:creationId xmlns:p14="http://schemas.microsoft.com/office/powerpoint/2010/main" val="4014551734"/>
+      </p:ext>
+    </p:extLst>
+  </p:cSld>
+  <p:clrMapOvr>
+    <a:masterClrMapping/>
+  </p:clrMapOvr>
+</p:notes>
+</file>
+
+<file path=ppt/notesSlides/notesSlide4.xml><?xml version="1.0" encoding="utf-8"?>
+<p:notes xmlns:a="http://schemas.openxmlformats.org/drawingml/2006/main" xmlns:r="http://schemas.openxmlformats.org/officeDocument/2006/relationships" xmlns:p="http://schemas.openxmlformats.org/presentationml/2006/main">
+  <p:cSld>
+    <p:spTree>
+      <p:nvGrpSpPr>
+        <p:cNvPr id="1" name=""/>
+        <p:cNvGrpSpPr/>
+        <p:nvPr/>
+      </p:nvGrpSpPr>
+      <p:grpSpPr>
+        <a:xfrm>
+          <a:off x="0" y="0"/>
+          <a:ext cx="0" cy="0"/>
+          <a:chOff x="0" y="0"/>
+          <a:chExt cx="0" cy="0"/>
+        </a:xfrm>
+      </p:grpSpPr>
+      <p:sp>
+        <p:nvSpPr>
+          <p:cNvPr id="2" name="슬라이드 이미지 개체 틀 1"/>
+          <p:cNvSpPr>
+            <a:spLocks noGrp="1" noRot="1" noChangeAspect="1"/>
+          </p:cNvSpPr>
+          <p:nvPr>
+            <p:ph type="sldImg"/>
+          </p:nvPr>
+        </p:nvSpPr>
+        <p:spPr/>
+      </p:sp>
+      <p:sp>
+        <p:nvSpPr>
+          <p:cNvPr id="3" name="슬라이드 노트 개체 틀 2"/>
+          <p:cNvSpPr>
+            <a:spLocks noGrp="1"/>
+          </p:cNvSpPr>
+          <p:nvPr>
+            <p:ph type="body" idx="1"/>
+          </p:nvPr>
+        </p:nvSpPr>
+        <p:spPr/>
+        <p:txBody>
+          <a:bodyPr/>
+          <a:lstStyle/>
+          <a:p>
+            <a:pPr marL="0" indent="0">
+              <a:buNone/>
+            </a:pPr>
+            <a:r>
+              <a:rPr lang="ko-KR" altLang="en-US" sz="1200" b="0" i="0" kern="1200" dirty="0">
+                <a:solidFill>
+                  <a:schemeClr val="tx1"/>
+                </a:solidFill>
+                <a:effectLst/>
+                <a:latin typeface="+mn-lt"/>
+                <a:ea typeface="+mn-ea"/>
+                <a:cs typeface="+mn-cs"/>
+              </a:rPr>
+              <a:t>작업 증명 방식</a:t>
+            </a:r>
+            <a:r>
+              <a:rPr lang="en-US" altLang="ko-KR" sz="1200" b="0" i="0" kern="1200" dirty="0">
+                <a:solidFill>
+                  <a:schemeClr val="tx1"/>
+                </a:solidFill>
+                <a:effectLst/>
+                <a:latin typeface="+mn-lt"/>
+                <a:ea typeface="+mn-ea"/>
+                <a:cs typeface="+mn-cs"/>
+              </a:rPr>
+              <a:t>(POW)</a:t>
+            </a:r>
+            <a:r>
+              <a:rPr lang="ko-KR" altLang="en-US" sz="1200" b="0" i="0" kern="1200" dirty="0">
+                <a:solidFill>
+                  <a:schemeClr val="tx1"/>
+                </a:solidFill>
+                <a:effectLst/>
+                <a:latin typeface="+mn-lt"/>
+                <a:ea typeface="+mn-ea"/>
+                <a:cs typeface="+mn-cs"/>
+              </a:rPr>
+              <a:t>에서 주로 사용되는 </a:t>
+            </a:r>
+            <a:r>
+              <a:rPr lang="en-US" altLang="ko-KR" sz="1200" b="0" i="0" kern="1200" dirty="0">
+                <a:solidFill>
+                  <a:schemeClr val="tx1"/>
+                </a:solidFill>
+                <a:effectLst/>
+                <a:latin typeface="+mn-lt"/>
+                <a:ea typeface="+mn-ea"/>
+                <a:cs typeface="+mn-cs"/>
+              </a:rPr>
+              <a:t>11</a:t>
+            </a:r>
+            <a:r>
+              <a:rPr lang="ko-KR" altLang="en-US" sz="1200" b="0" i="0" kern="1200" dirty="0">
+                <a:solidFill>
+                  <a:schemeClr val="tx1"/>
+                </a:solidFill>
+                <a:effectLst/>
+                <a:latin typeface="+mn-lt"/>
+                <a:ea typeface="+mn-ea"/>
+                <a:cs typeface="+mn-cs"/>
+              </a:rPr>
+              <a:t>가지 해시알고리즘의 집합임</a:t>
+            </a:r>
+            <a:r>
+              <a:rPr lang="en-US" altLang="ko-KR" sz="1200" b="0" i="0" kern="1200" dirty="0">
+                <a:solidFill>
+                  <a:schemeClr val="tx1"/>
+                </a:solidFill>
+                <a:effectLst/>
+                <a:latin typeface="+mn-lt"/>
+                <a:ea typeface="+mn-ea"/>
+                <a:cs typeface="+mn-cs"/>
+              </a:rPr>
+              <a:t>.</a:t>
+            </a:r>
+          </a:p>
+          <a:p>
+            <a:pPr marL="0" indent="0">
+              <a:buNone/>
+            </a:pPr>
+            <a:endParaRPr lang="en-US" altLang="ko-KR" sz="1200" b="0" i="0" kern="1200" dirty="0">
+              <a:solidFill>
+                <a:schemeClr val="tx1"/>
+              </a:solidFill>
+              <a:effectLst/>
+              <a:latin typeface="+mn-lt"/>
+              <a:ea typeface="+mn-ea"/>
+              <a:cs typeface="+mn-cs"/>
+            </a:endParaRPr>
+          </a:p>
+          <a:p>
+            <a:pPr marL="0" indent="0">
+              <a:buNone/>
+            </a:pPr>
+            <a:endParaRPr lang="en-US" altLang="ko-KR" sz="1200" b="0" i="0" kern="1200" dirty="0">
+              <a:solidFill>
+                <a:schemeClr val="tx1"/>
+              </a:solidFill>
+              <a:effectLst/>
+              <a:latin typeface="+mn-lt"/>
+              <a:ea typeface="+mn-ea"/>
+              <a:cs typeface="+mn-cs"/>
+            </a:endParaRPr>
+          </a:p>
+        </p:txBody>
+      </p:sp>
+      <p:sp>
+        <p:nvSpPr>
+          <p:cNvPr id="4" name="슬라이드 번호 개체 틀 3"/>
+          <p:cNvSpPr>
+            <a:spLocks noGrp="1"/>
+          </p:cNvSpPr>
+          <p:nvPr>
+            <p:ph type="sldNum" sz="quarter" idx="5"/>
+          </p:nvPr>
+        </p:nvSpPr>
+        <p:spPr/>
+        <p:txBody>
+          <a:bodyPr/>
+          <a:lstStyle/>
+          <a:p>
+            <a:fld id="{AF4B4130-2D9F-4E6D-9707-8718AD09D43C}" type="slidenum">
+              <a:rPr lang="ko-KR" altLang="en-US" smtClean="0"/>
+              <a:t>4</a:t>
+            </a:fld>
+            <a:endParaRPr lang="ko-KR" altLang="en-US"/>
+          </a:p>
+        </p:txBody>
+      </p:sp>
+    </p:spTree>
+    <p:extLst>
+      <p:ext uri="{BB962C8B-B14F-4D97-AF65-F5344CB8AC3E}">
+        <p14:creationId xmlns:p14="http://schemas.microsoft.com/office/powerpoint/2010/main" val="1654263805"/>
+      </p:ext>
+    </p:extLst>
+  </p:cSld>
+  <p:clrMapOvr>
+    <a:masterClrMapping/>
+  </p:clrMapOvr>
+</p:notes>
+</file>
+
+<file path=ppt/notesSlides/notesSlide5.xml><?xml version="1.0" encoding="utf-8"?>
+<p:notes xmlns:a="http://schemas.openxmlformats.org/drawingml/2006/main" xmlns:r="http://schemas.openxmlformats.org/officeDocument/2006/relationships" xmlns:p="http://schemas.openxmlformats.org/presentationml/2006/main">
+  <p:cSld>
+    <p:spTree>
+      <p:nvGrpSpPr>
+        <p:cNvPr id="1" name=""/>
+        <p:cNvGrpSpPr/>
+        <p:nvPr/>
+      </p:nvGrpSpPr>
+      <p:grpSpPr>
+        <a:xfrm>
+          <a:off x="0" y="0"/>
+          <a:ext cx="0" cy="0"/>
+          <a:chOff x="0" y="0"/>
+          <a:chExt cx="0" cy="0"/>
+        </a:xfrm>
+      </p:grpSpPr>
+      <p:sp>
+        <p:nvSpPr>
+          <p:cNvPr id="2" name="슬라이드 이미지 개체 틀 1"/>
+          <p:cNvSpPr>
+            <a:spLocks noGrp="1" noRot="1" noChangeAspect="1"/>
+          </p:cNvSpPr>
+          <p:nvPr>
+            <p:ph type="sldImg"/>
+          </p:nvPr>
+        </p:nvSpPr>
+        <p:spPr/>
+      </p:sp>
+      <p:sp>
+        <p:nvSpPr>
+          <p:cNvPr id="3" name="슬라이드 노트 개체 틀 2"/>
+          <p:cNvSpPr>
+            <a:spLocks noGrp="1"/>
+          </p:cNvSpPr>
+          <p:nvPr>
+            <p:ph type="body" idx="1"/>
+          </p:nvPr>
+        </p:nvSpPr>
+        <p:spPr/>
+        <p:txBody>
+          <a:bodyPr/>
+          <a:lstStyle/>
+          <a:p>
+            <a:pPr marL="0" indent="0">
+              <a:buNone/>
+            </a:pPr>
+            <a:r>
+              <a:rPr lang="ko-KR" altLang="en-US" sz="1200" b="0" i="0" kern="1200" dirty="0">
+                <a:solidFill>
+                  <a:schemeClr val="tx1"/>
+                </a:solidFill>
+                <a:effectLst/>
+                <a:latin typeface="+mn-lt"/>
+                <a:ea typeface="+mn-ea"/>
+                <a:cs typeface="+mn-cs"/>
+              </a:rPr>
+              <a:t>이 모든 알고리즘들은 </a:t>
+            </a:r>
+            <a:r>
+              <a:rPr lang="en-US" altLang="ko-KR" sz="1200" b="0" i="0" kern="1200" dirty="0">
+                <a:solidFill>
+                  <a:schemeClr val="tx1"/>
+                </a:solidFill>
+                <a:effectLst/>
+                <a:latin typeface="+mn-lt"/>
+                <a:ea typeface="+mn-ea"/>
+                <a:cs typeface="+mn-cs"/>
+              </a:rPr>
+              <a:t>NIST</a:t>
+            </a:r>
+            <a:r>
+              <a:rPr lang="ko-KR" altLang="en-US" sz="1200" b="0" i="0" kern="1200" dirty="0">
+                <a:solidFill>
+                  <a:schemeClr val="tx1"/>
+                </a:solidFill>
+                <a:effectLst/>
+                <a:latin typeface="+mn-lt"/>
+                <a:ea typeface="+mn-ea"/>
+                <a:cs typeface="+mn-cs"/>
+              </a:rPr>
+              <a:t>에서 </a:t>
+            </a:r>
+            <a:r>
+              <a:rPr lang="en-US" altLang="ko-KR" sz="1200" b="0" i="0" kern="1200" dirty="0">
+                <a:solidFill>
+                  <a:schemeClr val="tx1"/>
+                </a:solidFill>
+                <a:effectLst/>
+                <a:latin typeface="+mn-lt"/>
+                <a:ea typeface="+mn-ea"/>
+                <a:cs typeface="+mn-cs"/>
+              </a:rPr>
+              <a:t>SHA-3</a:t>
+            </a:r>
+            <a:r>
+              <a:rPr lang="ko-KR" altLang="en-US" sz="1200" b="0" i="0" kern="1200" dirty="0">
+                <a:solidFill>
+                  <a:schemeClr val="tx1"/>
+                </a:solidFill>
+                <a:effectLst/>
+                <a:latin typeface="+mn-lt"/>
+                <a:ea typeface="+mn-ea"/>
+                <a:cs typeface="+mn-cs"/>
+              </a:rPr>
+              <a:t>를 선발하기위한 공개 대회에서 </a:t>
+            </a:r>
+            <a:r>
+              <a:rPr lang="en-US" altLang="ko-KR" sz="1200" b="0" i="0" kern="1200" dirty="0">
+                <a:solidFill>
+                  <a:schemeClr val="tx1"/>
+                </a:solidFill>
+                <a:effectLst/>
+                <a:latin typeface="+mn-lt"/>
+                <a:ea typeface="+mn-ea"/>
+                <a:cs typeface="+mn-cs"/>
+              </a:rPr>
+              <a:t>14</a:t>
+            </a:r>
+            <a:r>
+              <a:rPr lang="ko-KR" altLang="en-US" sz="1200" b="0" i="0" kern="1200" dirty="0">
+                <a:solidFill>
+                  <a:schemeClr val="tx1"/>
+                </a:solidFill>
+                <a:effectLst/>
+                <a:latin typeface="+mn-lt"/>
+                <a:ea typeface="+mn-ea"/>
+                <a:cs typeface="+mn-cs"/>
+              </a:rPr>
+              <a:t>개의 </a:t>
+            </a:r>
+            <a:r>
+              <a:rPr lang="en-US" altLang="ko-KR" sz="1200" b="0" i="0" kern="1200" dirty="0">
+                <a:solidFill>
+                  <a:schemeClr val="tx1"/>
+                </a:solidFill>
+                <a:effectLst/>
+                <a:latin typeface="+mn-lt"/>
+                <a:ea typeface="+mn-ea"/>
+                <a:cs typeface="+mn-cs"/>
+              </a:rPr>
+              <a:t>2</a:t>
+            </a:r>
+            <a:r>
+              <a:rPr lang="ko-KR" altLang="en-US" sz="1200" b="0" i="0" kern="1200" dirty="0">
+                <a:solidFill>
+                  <a:schemeClr val="tx1"/>
+                </a:solidFill>
+                <a:effectLst/>
+                <a:latin typeface="+mn-lt"/>
+                <a:ea typeface="+mn-ea"/>
+                <a:cs typeface="+mn-cs"/>
+              </a:rPr>
+              <a:t>차 후보까지 올라갔던 알고리즘들이다</a:t>
+            </a:r>
+            <a:r>
+              <a:rPr lang="en-US" altLang="ko-KR" sz="1200" b="0" i="0" kern="1200" dirty="0">
+                <a:solidFill>
+                  <a:schemeClr val="tx1"/>
+                </a:solidFill>
+                <a:effectLst/>
+                <a:latin typeface="+mn-lt"/>
+                <a:ea typeface="+mn-ea"/>
+                <a:cs typeface="+mn-cs"/>
+              </a:rPr>
+              <a:t>.</a:t>
+            </a:r>
+          </a:p>
+          <a:p>
+            <a:pPr marL="0" indent="0">
+              <a:buNone/>
+            </a:pPr>
+            <a:endParaRPr lang="en-US" altLang="ko-KR" sz="1200" b="0" i="0" kern="1200" dirty="0">
+              <a:solidFill>
+                <a:schemeClr val="tx1"/>
+              </a:solidFill>
+              <a:effectLst/>
+              <a:latin typeface="+mn-lt"/>
+              <a:ea typeface="+mn-ea"/>
+              <a:cs typeface="+mn-cs"/>
+            </a:endParaRPr>
+          </a:p>
+          <a:p>
+            <a:pPr marL="0" indent="0">
+              <a:buNone/>
+            </a:pPr>
+            <a:r>
+              <a:rPr lang="ko-KR" altLang="en-US" sz="1200" b="0" i="0" kern="1200" dirty="0" err="1">
+                <a:solidFill>
+                  <a:schemeClr val="tx1"/>
+                </a:solidFill>
+                <a:effectLst/>
+                <a:latin typeface="+mn-lt"/>
+                <a:ea typeface="+mn-ea"/>
+                <a:cs typeface="+mn-cs"/>
+              </a:rPr>
+              <a:t>케착</a:t>
+            </a:r>
+            <a:r>
+              <a:rPr lang="ko-KR" altLang="en-US" sz="1200" b="0" i="0" kern="1200" dirty="0">
+                <a:solidFill>
+                  <a:schemeClr val="tx1"/>
+                </a:solidFill>
+                <a:effectLst/>
+                <a:latin typeface="+mn-lt"/>
+                <a:ea typeface="+mn-ea"/>
+                <a:cs typeface="+mn-cs"/>
+              </a:rPr>
+              <a:t> 알고리즘은 실제 대회 우승 알고리즘이며 현재 </a:t>
+            </a:r>
+            <a:r>
+              <a:rPr lang="en-US" altLang="ko-KR" sz="1200" b="0" i="0" kern="1200" dirty="0">
+                <a:solidFill>
+                  <a:schemeClr val="tx1"/>
+                </a:solidFill>
+                <a:effectLst/>
+                <a:latin typeface="+mn-lt"/>
+                <a:ea typeface="+mn-ea"/>
+                <a:cs typeface="+mn-cs"/>
+              </a:rPr>
+              <a:t>SHA-3 </a:t>
+            </a:r>
+            <a:r>
+              <a:rPr lang="ko-KR" altLang="en-US" sz="1200" b="0" i="0" kern="1200" dirty="0">
+                <a:solidFill>
+                  <a:schemeClr val="tx1"/>
+                </a:solidFill>
+                <a:effectLst/>
+                <a:latin typeface="+mn-lt"/>
+                <a:ea typeface="+mn-ea"/>
+                <a:cs typeface="+mn-cs"/>
+              </a:rPr>
+              <a:t>알고리즘으로 선정됨</a:t>
+            </a:r>
+            <a:r>
+              <a:rPr lang="en-US" altLang="ko-KR" sz="1200" b="0" i="0" kern="1200" dirty="0">
+                <a:solidFill>
+                  <a:schemeClr val="tx1"/>
+                </a:solidFill>
+                <a:effectLst/>
+                <a:latin typeface="+mn-lt"/>
+                <a:ea typeface="+mn-ea"/>
+                <a:cs typeface="+mn-cs"/>
+              </a:rPr>
+              <a:t>.</a:t>
+            </a:r>
+          </a:p>
+        </p:txBody>
+      </p:sp>
+      <p:sp>
+        <p:nvSpPr>
+          <p:cNvPr id="4" name="슬라이드 번호 개체 틀 3"/>
+          <p:cNvSpPr>
+            <a:spLocks noGrp="1"/>
+          </p:cNvSpPr>
+          <p:nvPr>
+            <p:ph type="sldNum" sz="quarter" idx="5"/>
+          </p:nvPr>
+        </p:nvSpPr>
+        <p:spPr/>
+        <p:txBody>
+          <a:bodyPr/>
+          <a:lstStyle/>
+          <a:p>
+            <a:fld id="{AF4B4130-2D9F-4E6D-9707-8718AD09D43C}" type="slidenum">
+              <a:rPr lang="ko-KR" altLang="en-US" smtClean="0"/>
+              <a:t>5</a:t>
+            </a:fld>
+            <a:endParaRPr lang="ko-KR" altLang="en-US"/>
+          </a:p>
+        </p:txBody>
+      </p:sp>
+    </p:spTree>
+    <p:extLst>
+      <p:ext uri="{BB962C8B-B14F-4D97-AF65-F5344CB8AC3E}">
+        <p14:creationId xmlns:p14="http://schemas.microsoft.com/office/powerpoint/2010/main" val="4050235443"/>
+      </p:ext>
+    </p:extLst>
+  </p:cSld>
+  <p:clrMapOvr>
+    <a:masterClrMapping/>
+  </p:clrMapOvr>
+</p:notes>
+</file>
+
+<file path=ppt/notesSlides/notesSlide6.xml><?xml version="1.0" encoding="utf-8"?>
+<p:notes xmlns:a="http://schemas.openxmlformats.org/drawingml/2006/main" xmlns:r="http://schemas.openxmlformats.org/officeDocument/2006/relationships" xmlns:p="http://schemas.openxmlformats.org/presentationml/2006/main">
+  <p:cSld>
+    <p:spTree>
+      <p:nvGrpSpPr>
+        <p:cNvPr id="1" name=""/>
+        <p:cNvGrpSpPr/>
+        <p:nvPr/>
+      </p:nvGrpSpPr>
+      <p:grpSpPr>
+        <a:xfrm>
+          <a:off x="0" y="0"/>
+          <a:ext cx="0" cy="0"/>
+          <a:chOff x="0" y="0"/>
+          <a:chExt cx="0" cy="0"/>
+        </a:xfrm>
+      </p:grpSpPr>
+      <p:sp>
+        <p:nvSpPr>
+          <p:cNvPr id="2" name="슬라이드 이미지 개체 틀 1"/>
+          <p:cNvSpPr>
+            <a:spLocks noGrp="1" noRot="1" noChangeAspect="1"/>
+          </p:cNvSpPr>
+          <p:nvPr>
+            <p:ph type="sldImg"/>
+          </p:nvPr>
+        </p:nvSpPr>
+        <p:spPr/>
+      </p:sp>
+      <p:sp>
+        <p:nvSpPr>
+          <p:cNvPr id="3" name="슬라이드 노트 개체 틀 2"/>
+          <p:cNvSpPr>
+            <a:spLocks noGrp="1"/>
+          </p:cNvSpPr>
+          <p:nvPr>
+            <p:ph type="body" idx="1"/>
+          </p:nvPr>
+        </p:nvSpPr>
+        <p:spPr/>
+        <p:txBody>
+          <a:bodyPr/>
+          <a:lstStyle/>
+          <a:p>
+            <a:pPr marL="0" indent="0">
+              <a:buNone/>
+            </a:pPr>
+            <a:endParaRPr lang="en-US" altLang="ko-KR" sz="1200" b="0" i="0" kern="1200" dirty="0">
+              <a:solidFill>
+                <a:schemeClr val="tx1"/>
+              </a:solidFill>
+              <a:effectLst/>
+              <a:latin typeface="+mn-lt"/>
+              <a:ea typeface="+mn-ea"/>
+              <a:cs typeface="+mn-cs"/>
+            </a:endParaRPr>
+          </a:p>
+        </p:txBody>
+      </p:sp>
+      <p:sp>
+        <p:nvSpPr>
+          <p:cNvPr id="4" name="슬라이드 번호 개체 틀 3"/>
+          <p:cNvSpPr>
+            <a:spLocks noGrp="1"/>
+          </p:cNvSpPr>
+          <p:nvPr>
+            <p:ph type="sldNum" sz="quarter" idx="5"/>
+          </p:nvPr>
+        </p:nvSpPr>
+        <p:spPr/>
+        <p:txBody>
+          <a:bodyPr/>
+          <a:lstStyle/>
+          <a:p>
+            <a:fld id="{AF4B4130-2D9F-4E6D-9707-8718AD09D43C}" type="slidenum">
+              <a:rPr lang="ko-KR" altLang="en-US" smtClean="0"/>
+              <a:t>6</a:t>
+            </a:fld>
+            <a:endParaRPr lang="ko-KR" altLang="en-US"/>
+          </a:p>
+        </p:txBody>
+      </p:sp>
+    </p:spTree>
+    <p:extLst>
+      <p:ext uri="{BB962C8B-B14F-4D97-AF65-F5344CB8AC3E}">
+        <p14:creationId xmlns:p14="http://schemas.microsoft.com/office/powerpoint/2010/main" val="2823254448"/>
+      </p:ext>
+    </p:extLst>
+  </p:cSld>
+  <p:clrMapOvr>
+    <a:masterClrMapping/>
+  </p:clrMapOvr>
+</p:notes>
+</file>
+
+<file path=ppt/notesSlides/notesSlide7.xml><?xml version="1.0" encoding="utf-8"?>
+<p:notes xmlns:a="http://schemas.openxmlformats.org/drawingml/2006/main" xmlns:r="http://schemas.openxmlformats.org/officeDocument/2006/relationships" xmlns:p="http://schemas.openxmlformats.org/presentationml/2006/main">
+  <p:cSld>
+    <p:spTree>
+      <p:nvGrpSpPr>
+        <p:cNvPr id="1" name=""/>
+        <p:cNvGrpSpPr/>
+        <p:nvPr/>
+      </p:nvGrpSpPr>
+      <p:grpSpPr>
+        <a:xfrm>
+          <a:off x="0" y="0"/>
+          <a:ext cx="0" cy="0"/>
+          <a:chOff x="0" y="0"/>
+          <a:chExt cx="0" cy="0"/>
+        </a:xfrm>
+      </p:grpSpPr>
+      <p:sp>
+        <p:nvSpPr>
+          <p:cNvPr id="2" name="슬라이드 이미지 개체 틀 1"/>
+          <p:cNvSpPr>
+            <a:spLocks noGrp="1" noRot="1" noChangeAspect="1"/>
+          </p:cNvSpPr>
+          <p:nvPr>
+            <p:ph type="sldImg"/>
+          </p:nvPr>
+        </p:nvSpPr>
+        <p:spPr/>
+      </p:sp>
+      <p:sp>
+        <p:nvSpPr>
+          <p:cNvPr id="3" name="슬라이드 노트 개체 틀 2"/>
+          <p:cNvSpPr>
+            <a:spLocks noGrp="1"/>
+          </p:cNvSpPr>
+          <p:nvPr>
+            <p:ph type="body" idx="1"/>
+          </p:nvPr>
+        </p:nvSpPr>
+        <p:spPr/>
+        <p:txBody>
+          <a:bodyPr/>
+          <a:lstStyle/>
+          <a:p>
+            <a:pPr marL="0" indent="0">
+              <a:buNone/>
+            </a:pPr>
+            <a:endParaRPr lang="en-US" altLang="ko-KR" sz="1200" b="0" i="0" kern="1200" dirty="0">
+              <a:solidFill>
+                <a:schemeClr val="tx1"/>
+              </a:solidFill>
+              <a:effectLst/>
+              <a:latin typeface="+mn-lt"/>
+              <a:ea typeface="+mn-ea"/>
+              <a:cs typeface="+mn-cs"/>
+            </a:endParaRPr>
+          </a:p>
+        </p:txBody>
+      </p:sp>
+      <p:sp>
+        <p:nvSpPr>
+          <p:cNvPr id="4" name="슬라이드 번호 개체 틀 3"/>
+          <p:cNvSpPr>
+            <a:spLocks noGrp="1"/>
+          </p:cNvSpPr>
+          <p:nvPr>
+            <p:ph type="sldNum" sz="quarter" idx="5"/>
+          </p:nvPr>
+        </p:nvSpPr>
+        <p:spPr/>
+        <p:txBody>
+          <a:bodyPr/>
+          <a:lstStyle/>
+          <a:p>
+            <a:fld id="{AF4B4130-2D9F-4E6D-9707-8718AD09D43C}" type="slidenum">
+              <a:rPr lang="ko-KR" altLang="en-US" smtClean="0"/>
+              <a:t>7</a:t>
+            </a:fld>
+            <a:endParaRPr lang="ko-KR" altLang="en-US"/>
+          </a:p>
+        </p:txBody>
+      </p:sp>
+    </p:spTree>
+    <p:extLst>
+      <p:ext uri="{BB962C8B-B14F-4D97-AF65-F5344CB8AC3E}">
+        <p14:creationId xmlns:p14="http://schemas.microsoft.com/office/powerpoint/2010/main" val="2566242541"/>
+      </p:ext>
+    </p:extLst>
+  </p:cSld>
+  <p:clrMapOvr>
+    <a:masterClrMapping/>
+  </p:clrMapOvr>
+</p:notes>
+</file>
+
+<file path=ppt/notesSlides/notesSlide8.xml><?xml version="1.0" encoding="utf-8"?>
+<p:notes xmlns:a="http://schemas.openxmlformats.org/drawingml/2006/main" xmlns:r="http://schemas.openxmlformats.org/officeDocument/2006/relationships" xmlns:p="http://schemas.openxmlformats.org/presentationml/2006/main">
+  <p:cSld>
+    <p:spTree>
+      <p:nvGrpSpPr>
+        <p:cNvPr id="1" name=""/>
+        <p:cNvGrpSpPr/>
+        <p:nvPr/>
+      </p:nvGrpSpPr>
+      <p:grpSpPr>
+        <a:xfrm>
+          <a:off x="0" y="0"/>
+          <a:ext cx="0" cy="0"/>
+          <a:chOff x="0" y="0"/>
+          <a:chExt cx="0" cy="0"/>
+        </a:xfrm>
+      </p:grpSpPr>
+      <p:sp>
+        <p:nvSpPr>
+          <p:cNvPr id="2" name="슬라이드 이미지 개체 틀 1"/>
+          <p:cNvSpPr>
+            <a:spLocks noGrp="1" noRot="1" noChangeAspect="1"/>
+          </p:cNvSpPr>
+          <p:nvPr>
+            <p:ph type="sldImg"/>
+          </p:nvPr>
+        </p:nvSpPr>
+        <p:spPr/>
+      </p:sp>
+      <p:sp>
+        <p:nvSpPr>
+          <p:cNvPr id="3" name="슬라이드 노트 개체 틀 2"/>
+          <p:cNvSpPr>
+            <a:spLocks noGrp="1"/>
+          </p:cNvSpPr>
+          <p:nvPr>
+            <p:ph type="body" idx="1"/>
+          </p:nvPr>
+        </p:nvSpPr>
+        <p:spPr/>
+        <p:txBody>
+          <a:bodyPr/>
+          <a:lstStyle/>
+          <a:p>
+            <a:pPr marL="0" indent="0">
+              <a:buNone/>
+            </a:pPr>
+            <a:endParaRPr lang="en-US" altLang="ko-KR" sz="1200" b="0" i="0" kern="1200" dirty="0">
+              <a:solidFill>
+                <a:schemeClr val="tx1"/>
+              </a:solidFill>
+              <a:effectLst/>
+              <a:latin typeface="+mn-lt"/>
+              <a:ea typeface="+mn-ea"/>
+              <a:cs typeface="+mn-cs"/>
+            </a:endParaRPr>
+          </a:p>
+        </p:txBody>
+      </p:sp>
+      <p:sp>
+        <p:nvSpPr>
+          <p:cNvPr id="4" name="슬라이드 번호 개체 틀 3"/>
+          <p:cNvSpPr>
+            <a:spLocks noGrp="1"/>
+          </p:cNvSpPr>
+          <p:nvPr>
+            <p:ph type="sldNum" sz="quarter" idx="5"/>
+          </p:nvPr>
+        </p:nvSpPr>
+        <p:spPr/>
+        <p:txBody>
+          <a:bodyPr/>
+          <a:lstStyle/>
+          <a:p>
+            <a:fld id="{AF4B4130-2D9F-4E6D-9707-8718AD09D43C}" type="slidenum">
+              <a:rPr lang="ko-KR" altLang="en-US" smtClean="0"/>
+              <a:t>8</a:t>
             </a:fld>
             <a:endParaRPr lang="ko-KR" altLang="en-US"/>
           </a:p>
@@ -887,7 +2549,7 @@
           <a:p>
             <a:fld id="{46A2558D-9475-4DD4-8F32-96381613298F}" type="datetimeFigureOut">
               <a:rPr lang="ko-KR" altLang="en-US" smtClean="0"/>
-              <a:t>2018-12-28</a:t>
+              <a:t>2019-01-03</a:t>
             </a:fld>
             <a:endParaRPr lang="ko-KR" altLang="en-US"/>
           </a:p>
@@ -1085,7 +2747,7 @@
           <a:p>
             <a:fld id="{46A2558D-9475-4DD4-8F32-96381613298F}" type="datetimeFigureOut">
               <a:rPr lang="ko-KR" altLang="en-US" smtClean="0"/>
-              <a:t>2018-12-28</a:t>
+              <a:t>2019-01-03</a:t>
             </a:fld>
             <a:endParaRPr lang="ko-KR" altLang="en-US"/>
           </a:p>
@@ -1293,7 +2955,7 @@
           <a:p>
             <a:fld id="{46A2558D-9475-4DD4-8F32-96381613298F}" type="datetimeFigureOut">
               <a:rPr lang="ko-KR" altLang="en-US" smtClean="0"/>
-              <a:t>2018-12-28</a:t>
+              <a:t>2019-01-03</a:t>
             </a:fld>
             <a:endParaRPr lang="ko-KR" altLang="en-US"/>
           </a:p>
@@ -1491,7 +3153,7 @@
           <a:p>
             <a:fld id="{46A2558D-9475-4DD4-8F32-96381613298F}" type="datetimeFigureOut">
               <a:rPr lang="ko-KR" altLang="en-US" smtClean="0"/>
-              <a:t>2018-12-28</a:t>
+              <a:t>2019-01-03</a:t>
             </a:fld>
             <a:endParaRPr lang="ko-KR" altLang="en-US"/>
           </a:p>
@@ -1766,7 +3428,7 @@
           <a:p>
             <a:fld id="{46A2558D-9475-4DD4-8F32-96381613298F}" type="datetimeFigureOut">
               <a:rPr lang="ko-KR" altLang="en-US" smtClean="0"/>
-              <a:t>2018-12-28</a:t>
+              <a:t>2019-01-03</a:t>
             </a:fld>
             <a:endParaRPr lang="ko-KR" altLang="en-US"/>
           </a:p>
@@ -2031,7 +3693,7 @@
           <a:p>
             <a:fld id="{46A2558D-9475-4DD4-8F32-96381613298F}" type="datetimeFigureOut">
               <a:rPr lang="ko-KR" altLang="en-US" smtClean="0"/>
-              <a:t>2018-12-28</a:t>
+              <a:t>2019-01-03</a:t>
             </a:fld>
             <a:endParaRPr lang="ko-KR" altLang="en-US"/>
           </a:p>
@@ -2443,7 +4105,7 @@
           <a:p>
             <a:fld id="{46A2558D-9475-4DD4-8F32-96381613298F}" type="datetimeFigureOut">
               <a:rPr lang="ko-KR" altLang="en-US" smtClean="0"/>
-              <a:t>2018-12-28</a:t>
+              <a:t>2019-01-03</a:t>
             </a:fld>
             <a:endParaRPr lang="ko-KR" altLang="en-US"/>
           </a:p>
@@ -2584,7 +4246,7 @@
           <a:p>
             <a:fld id="{46A2558D-9475-4DD4-8F32-96381613298F}" type="datetimeFigureOut">
               <a:rPr lang="ko-KR" altLang="en-US" smtClean="0"/>
-              <a:t>2018-12-28</a:t>
+              <a:t>2019-01-03</a:t>
             </a:fld>
             <a:endParaRPr lang="ko-KR" altLang="en-US"/>
           </a:p>
@@ -2697,7 +4359,7 @@
           <a:p>
             <a:fld id="{46A2558D-9475-4DD4-8F32-96381613298F}" type="datetimeFigureOut">
               <a:rPr lang="ko-KR" altLang="en-US" smtClean="0"/>
-              <a:t>2018-12-28</a:t>
+              <a:t>2019-01-03</a:t>
             </a:fld>
             <a:endParaRPr lang="ko-KR" altLang="en-US"/>
           </a:p>
@@ -3008,7 +4670,7 @@
           <a:p>
             <a:fld id="{46A2558D-9475-4DD4-8F32-96381613298F}" type="datetimeFigureOut">
               <a:rPr lang="ko-KR" altLang="en-US" smtClean="0"/>
-              <a:t>2018-12-28</a:t>
+              <a:t>2019-01-03</a:t>
             </a:fld>
             <a:endParaRPr lang="ko-KR" altLang="en-US"/>
           </a:p>
@@ -3296,7 +4958,7 @@
           <a:p>
             <a:fld id="{46A2558D-9475-4DD4-8F32-96381613298F}" type="datetimeFigureOut">
               <a:rPr lang="ko-KR" altLang="en-US" smtClean="0"/>
-              <a:t>2018-12-28</a:t>
+              <a:t>2019-01-03</a:t>
             </a:fld>
             <a:endParaRPr lang="ko-KR" altLang="en-US"/>
           </a:p>
@@ -3537,7 +5199,7 @@
           <a:p>
             <a:fld id="{46A2558D-9475-4DD4-8F32-96381613298F}" type="datetimeFigureOut">
               <a:rPr lang="ko-KR" altLang="en-US" smtClean="0"/>
-              <a:t>2018-12-28</a:t>
+              <a:t>2019-01-03</a:t>
             </a:fld>
             <a:endParaRPr lang="ko-KR" altLang="en-US"/>
           </a:p>
@@ -4015,7 +5677,7 @@
         <p:spPr>
           <a:xfrm>
             <a:off x="1766657" y="3622089"/>
-            <a:ext cx="7284366" cy="1015663"/>
+            <a:ext cx="3650358" cy="1015663"/>
           </a:xfrm>
           <a:prstGeom prst="rect">
             <a:avLst/>
@@ -4030,7 +5692,7 @@
           <a:p>
             <a:r>
               <a:rPr lang="en-US" altLang="ko-KR" sz="6000" dirty="0"/>
-              <a:t>X11 / X13 algorithm</a:t>
+              <a:t>X11 / X13</a:t>
             </a:r>
             <a:endParaRPr lang="ko-KR" altLang="en-US" sz="6000" dirty="0"/>
           </a:p>
@@ -4208,7 +5870,7 @@
         <p:spPr>
           <a:xfrm>
             <a:off x="1704513" y="620822"/>
-            <a:ext cx="1157689" cy="400110"/>
+            <a:ext cx="925253" cy="400110"/>
           </a:xfrm>
           <a:prstGeom prst="rect">
             <a:avLst/>
@@ -4223,17 +5885,17 @@
           <a:p>
             <a:r>
               <a:rPr lang="en-US" altLang="ko-KR" sz="2000" dirty="0"/>
-              <a:t>X11/X13</a:t>
-            </a:r>
-          </a:p>
-        </p:txBody>
-      </p:sp>
-      <p:sp>
-        <p:nvSpPr>
-          <p:cNvPr id="21" name="TextBox 20">
-            <a:extLst>
-              <a:ext uri="{FF2B5EF4-FFF2-40B4-BE49-F238E27FC236}">
-                <a16:creationId xmlns:a16="http://schemas.microsoft.com/office/drawing/2014/main" id="{7380B4D7-2ED1-41DE-8EE6-2449562784AD}"/>
+              <a:t>SHA-3</a:t>
+            </a:r>
+          </a:p>
+        </p:txBody>
+      </p:sp>
+      <p:sp>
+        <p:nvSpPr>
+          <p:cNvPr id="22" name="TextBox 21">
+            <a:extLst>
+              <a:ext uri="{FF2B5EF4-FFF2-40B4-BE49-F238E27FC236}">
+                <a16:creationId xmlns:a16="http://schemas.microsoft.com/office/drawing/2014/main" id="{148E614D-1658-46C6-A415-0A12096C6824}"/>
               </a:ext>
             </a:extLst>
           </p:cNvPr>
@@ -4242,8 +5904,8 @@
         </p:nvSpPr>
         <p:spPr>
           <a:xfrm>
-            <a:off x="4875153" y="3044279"/>
-            <a:ext cx="2441694" cy="769441"/>
+            <a:off x="1835506" y="3198167"/>
+            <a:ext cx="8911414" cy="461665"/>
           </a:xfrm>
           <a:prstGeom prst="rect">
             <a:avLst/>
@@ -4257,46 +5919,33 @@
           <a:lstStyle/>
           <a:p>
             <a:r>
-              <a:rPr lang="ko-KR" altLang="en-US" sz="4400" dirty="0"/>
-              <a:t>알고리즘</a:t>
-            </a:r>
-            <a:endParaRPr lang="en-US" altLang="ko-KR" sz="4400" dirty="0"/>
-          </a:p>
-        </p:txBody>
-      </p:sp>
-      <p:sp>
-        <p:nvSpPr>
-          <p:cNvPr id="22" name="TextBox 21">
-            <a:extLst>
-              <a:ext uri="{FF2B5EF4-FFF2-40B4-BE49-F238E27FC236}">
-                <a16:creationId xmlns:a16="http://schemas.microsoft.com/office/drawing/2014/main" id="{148E614D-1658-46C6-A415-0A12096C6824}"/>
-              </a:ext>
-            </a:extLst>
-          </p:cNvPr>
-          <p:cNvSpPr txBox="1"/>
-          <p:nvPr/>
-        </p:nvSpPr>
-        <p:spPr>
-          <a:xfrm>
-            <a:off x="3654306" y="3043192"/>
-            <a:ext cx="1313180" cy="769441"/>
-          </a:xfrm>
-          <a:prstGeom prst="rect">
-            <a:avLst/>
-          </a:prstGeom>
-          <a:noFill/>
-        </p:spPr>
-        <p:txBody>
-          <a:bodyPr wrap="none" rtlCol="0">
-            <a:spAutoFit/>
-          </a:bodyPr>
-          <a:lstStyle/>
-          <a:p>
-            <a:r>
-              <a:rPr lang="ko-KR" altLang="en-US" sz="4400" dirty="0"/>
-              <a:t>통합</a:t>
-            </a:r>
-            <a:endParaRPr lang="en-US" altLang="ko-KR" sz="4400" dirty="0"/>
+              <a:rPr lang="en-US" altLang="ko-KR" sz="2400" dirty="0"/>
+              <a:t>SHA-256</a:t>
+            </a:r>
+            <a:r>
+              <a:rPr lang="ko-KR" altLang="en-US" sz="2400" dirty="0"/>
+              <a:t>이 속한 </a:t>
+            </a:r>
+            <a:r>
+              <a:rPr lang="en-US" altLang="ko-KR" sz="2400" dirty="0"/>
+              <a:t>SHA-2</a:t>
+            </a:r>
+            <a:r>
+              <a:rPr lang="ko-KR" altLang="en-US" sz="2400" dirty="0"/>
+              <a:t>와 마찬가지로 </a:t>
+            </a:r>
+            <a:r>
+              <a:rPr lang="ko-KR" altLang="en-US" sz="2400" dirty="0" err="1"/>
+              <a:t>해싱</a:t>
+            </a:r>
+            <a:r>
+              <a:rPr lang="ko-KR" altLang="en-US" sz="2400" dirty="0"/>
+              <a:t> 알고리즘의 한 종류</a:t>
+            </a:r>
+            <a:r>
+              <a:rPr lang="en-US" altLang="ko-KR" sz="2400" dirty="0"/>
+              <a:t>.</a:t>
+            </a:r>
           </a:p>
         </p:txBody>
       </p:sp>
@@ -4523,6 +6172,2632 @@
         <p:spPr>
           <a:xfrm>
             <a:off x="1704513" y="620822"/>
+            <a:ext cx="678391" cy="400110"/>
+          </a:xfrm>
+          <a:prstGeom prst="rect">
+            <a:avLst/>
+          </a:prstGeom>
+          <a:noFill/>
+        </p:spPr>
+        <p:txBody>
+          <a:bodyPr wrap="none" rtlCol="0">
+            <a:spAutoFit/>
+          </a:bodyPr>
+          <a:lstStyle/>
+          <a:p>
+            <a:r>
+              <a:rPr lang="en-US" altLang="ko-KR" sz="2000" dirty="0"/>
+              <a:t>SHA</a:t>
+            </a:r>
+          </a:p>
+        </p:txBody>
+      </p:sp>
+      <p:pic>
+        <p:nvPicPr>
+          <p:cNvPr id="3" name="그림 2">
+            <a:extLst>
+              <a:ext uri="{FF2B5EF4-FFF2-40B4-BE49-F238E27FC236}">
+                <a16:creationId xmlns:a16="http://schemas.microsoft.com/office/drawing/2014/main" id="{6D31CE6E-DB99-4D80-8261-7D07EEACD997}"/>
+              </a:ext>
+            </a:extLst>
+          </p:cNvPr>
+          <p:cNvPicPr>
+            <a:picLocks noChangeAspect="1"/>
+          </p:cNvPicPr>
+          <p:nvPr/>
+        </p:nvPicPr>
+        <p:blipFill rotWithShape="1">
+          <a:blip r:embed="rId3">
+            <a:extLst>
+              <a:ext uri="{28A0092B-C50C-407E-A947-70E740481C1C}">
+                <a14:useLocalDpi xmlns:a14="http://schemas.microsoft.com/office/drawing/2010/main" val="0"/>
+              </a:ext>
+            </a:extLst>
+          </a:blip>
+          <a:srcRect t="33717" b="33516"/>
+          <a:stretch/>
+        </p:blipFill>
+        <p:spPr>
+          <a:xfrm>
+            <a:off x="3292928" y="2510501"/>
+            <a:ext cx="5606143" cy="1836997"/>
+          </a:xfrm>
+          <a:prstGeom prst="rect">
+            <a:avLst/>
+          </a:prstGeom>
+        </p:spPr>
+      </p:pic>
+    </p:spTree>
+    <p:extLst>
+      <p:ext uri="{BB962C8B-B14F-4D97-AF65-F5344CB8AC3E}">
+        <p14:creationId xmlns:p14="http://schemas.microsoft.com/office/powerpoint/2010/main" val="1038359088"/>
+      </p:ext>
+    </p:extLst>
+  </p:cSld>
+  <p:clrMapOvr>
+    <a:masterClrMapping/>
+  </p:clrMapOvr>
+</p:sld>
+</file>
+
+<file path=ppt/slides/slide4.xml><?xml version="1.0" encoding="utf-8"?>
+<p:sld xmlns:a="http://schemas.openxmlformats.org/drawingml/2006/main" xmlns:r="http://schemas.openxmlformats.org/officeDocument/2006/relationships" xmlns:p="http://schemas.openxmlformats.org/presentationml/2006/main">
+  <p:cSld>
+    <p:spTree>
+      <p:nvGrpSpPr>
+        <p:cNvPr id="1" name=""/>
+        <p:cNvGrpSpPr/>
+        <p:nvPr/>
+      </p:nvGrpSpPr>
+      <p:grpSpPr>
+        <a:xfrm>
+          <a:off x="0" y="0"/>
+          <a:ext cx="0" cy="0"/>
+          <a:chOff x="0" y="0"/>
+          <a:chExt cx="0" cy="0"/>
+        </a:xfrm>
+      </p:grpSpPr>
+      <p:sp>
+        <p:nvSpPr>
+          <p:cNvPr id="10" name="직사각형 9">
+            <a:extLst>
+              <a:ext uri="{FF2B5EF4-FFF2-40B4-BE49-F238E27FC236}">
+                <a16:creationId xmlns:a16="http://schemas.microsoft.com/office/drawing/2014/main" id="{72422AE4-B2BC-47F4-A55A-7923EBDB55ED}"/>
+              </a:ext>
+            </a:extLst>
+          </p:cNvPr>
+          <p:cNvSpPr/>
+          <p:nvPr/>
+        </p:nvSpPr>
+        <p:spPr>
+          <a:xfrm>
+            <a:off x="1586143" y="1020932"/>
+            <a:ext cx="9268287" cy="45719"/>
+          </a:xfrm>
+          <a:prstGeom prst="rect">
+            <a:avLst/>
+          </a:prstGeom>
+        </p:spPr>
+        <p:style>
+          <a:lnRef idx="2">
+            <a:schemeClr val="accent1">
+              <a:shade val="50000"/>
+            </a:schemeClr>
+          </a:lnRef>
+          <a:fillRef idx="1">
+            <a:schemeClr val="accent1"/>
+          </a:fillRef>
+          <a:effectRef idx="0">
+            <a:schemeClr val="accent1"/>
+          </a:effectRef>
+          <a:fontRef idx="minor">
+            <a:schemeClr val="lt1"/>
+          </a:fontRef>
+        </p:style>
+        <p:txBody>
+          <a:bodyPr rtlCol="0" anchor="ctr"/>
+          <a:lstStyle/>
+          <a:p>
+            <a:pPr algn="ctr"/>
+            <a:endParaRPr lang="ko-KR" altLang="en-US"/>
+          </a:p>
+        </p:txBody>
+      </p:sp>
+      <p:sp>
+        <p:nvSpPr>
+          <p:cNvPr id="11" name="직사각형 10">
+            <a:extLst>
+              <a:ext uri="{FF2B5EF4-FFF2-40B4-BE49-F238E27FC236}">
+                <a16:creationId xmlns:a16="http://schemas.microsoft.com/office/drawing/2014/main" id="{88C624B5-9431-4451-97AF-3F26F9D86089}"/>
+              </a:ext>
+            </a:extLst>
+          </p:cNvPr>
+          <p:cNvSpPr/>
+          <p:nvPr/>
+        </p:nvSpPr>
+        <p:spPr>
+          <a:xfrm flipV="1">
+            <a:off x="1586143" y="6174982"/>
+            <a:ext cx="9268287" cy="45719"/>
+          </a:xfrm>
+          <a:prstGeom prst="rect">
+            <a:avLst/>
+          </a:prstGeom>
+        </p:spPr>
+        <p:style>
+          <a:lnRef idx="2">
+            <a:schemeClr val="accent1">
+              <a:shade val="50000"/>
+            </a:schemeClr>
+          </a:lnRef>
+          <a:fillRef idx="1">
+            <a:schemeClr val="accent1"/>
+          </a:fillRef>
+          <a:effectRef idx="0">
+            <a:schemeClr val="accent1"/>
+          </a:effectRef>
+          <a:fontRef idx="minor">
+            <a:schemeClr val="lt1"/>
+          </a:fontRef>
+        </p:style>
+        <p:txBody>
+          <a:bodyPr rtlCol="0" anchor="ctr"/>
+          <a:lstStyle/>
+          <a:p>
+            <a:pPr algn="ctr"/>
+            <a:endParaRPr lang="ko-KR" altLang="en-US"/>
+          </a:p>
+        </p:txBody>
+      </p:sp>
+      <p:sp>
+        <p:nvSpPr>
+          <p:cNvPr id="9" name="TextBox 8">
+            <a:extLst>
+              <a:ext uri="{FF2B5EF4-FFF2-40B4-BE49-F238E27FC236}">
+                <a16:creationId xmlns:a16="http://schemas.microsoft.com/office/drawing/2014/main" id="{892C5DDA-40EE-4B50-9C05-6AFC7089F348}"/>
+              </a:ext>
+            </a:extLst>
+          </p:cNvPr>
+          <p:cNvSpPr txBox="1"/>
+          <p:nvPr/>
+        </p:nvSpPr>
+        <p:spPr>
+          <a:xfrm>
+            <a:off x="1704513" y="620822"/>
+            <a:ext cx="1157689" cy="400110"/>
+          </a:xfrm>
+          <a:prstGeom prst="rect">
+            <a:avLst/>
+          </a:prstGeom>
+          <a:noFill/>
+        </p:spPr>
+        <p:txBody>
+          <a:bodyPr wrap="none" rtlCol="0">
+            <a:spAutoFit/>
+          </a:bodyPr>
+          <a:lstStyle/>
+          <a:p>
+            <a:r>
+              <a:rPr lang="en-US" altLang="ko-KR" sz="2000" dirty="0"/>
+              <a:t>X11/X13</a:t>
+            </a:r>
+          </a:p>
+        </p:txBody>
+      </p:sp>
+      <p:sp>
+        <p:nvSpPr>
+          <p:cNvPr id="22" name="TextBox 21">
+            <a:extLst>
+              <a:ext uri="{FF2B5EF4-FFF2-40B4-BE49-F238E27FC236}">
+                <a16:creationId xmlns:a16="http://schemas.microsoft.com/office/drawing/2014/main" id="{148E614D-1658-46C6-A415-0A12096C6824}"/>
+              </a:ext>
+            </a:extLst>
+          </p:cNvPr>
+          <p:cNvSpPr txBox="1"/>
+          <p:nvPr/>
+        </p:nvSpPr>
+        <p:spPr>
+          <a:xfrm>
+            <a:off x="3059809" y="3198167"/>
+            <a:ext cx="6320961" cy="461665"/>
+          </a:xfrm>
+          <a:prstGeom prst="rect">
+            <a:avLst/>
+          </a:prstGeom>
+          <a:noFill/>
+        </p:spPr>
+        <p:txBody>
+          <a:bodyPr wrap="none" rtlCol="0">
+            <a:spAutoFit/>
+          </a:bodyPr>
+          <a:lstStyle/>
+          <a:p>
+            <a:pPr algn="ctr"/>
+            <a:r>
+              <a:rPr lang="en-US" altLang="ko-KR" sz="2400" dirty="0"/>
+              <a:t>11</a:t>
+            </a:r>
+            <a:r>
+              <a:rPr lang="ko-KR" altLang="en-US" sz="2400" dirty="0"/>
+              <a:t>개</a:t>
+            </a:r>
+            <a:r>
+              <a:rPr lang="en-US" altLang="ko-KR" sz="2400" dirty="0"/>
+              <a:t>(X11), 13</a:t>
+            </a:r>
+            <a:r>
+              <a:rPr lang="ko-KR" altLang="en-US" sz="2400" dirty="0"/>
+              <a:t>개</a:t>
+            </a:r>
+            <a:r>
+              <a:rPr lang="en-US" altLang="ko-KR" sz="2400" dirty="0"/>
+              <a:t>(X13)</a:t>
+            </a:r>
+            <a:r>
+              <a:rPr lang="ko-KR" altLang="en-US" sz="2400" dirty="0"/>
+              <a:t> </a:t>
+            </a:r>
+            <a:r>
+              <a:rPr lang="ko-KR" altLang="en-US" sz="2400" dirty="0" err="1"/>
+              <a:t>해싱</a:t>
+            </a:r>
+            <a:r>
+              <a:rPr lang="ko-KR" altLang="en-US" sz="2400" dirty="0"/>
+              <a:t> 알고리즘의 </a:t>
+            </a:r>
+            <a:r>
+              <a:rPr lang="en-US" altLang="ko-KR" sz="2400" dirty="0"/>
+              <a:t>‘</a:t>
+            </a:r>
+            <a:r>
+              <a:rPr lang="ko-KR" altLang="en-US" sz="2400" dirty="0"/>
+              <a:t>집합</a:t>
+            </a:r>
+            <a:r>
+              <a:rPr lang="en-US" altLang="ko-KR" sz="2400" dirty="0"/>
+              <a:t>’</a:t>
+            </a:r>
+          </a:p>
+        </p:txBody>
+      </p:sp>
+    </p:spTree>
+    <p:extLst>
+      <p:ext uri="{BB962C8B-B14F-4D97-AF65-F5344CB8AC3E}">
+        <p14:creationId xmlns:p14="http://schemas.microsoft.com/office/powerpoint/2010/main" val="553636744"/>
+      </p:ext>
+    </p:extLst>
+  </p:cSld>
+  <p:clrMapOvr>
+    <a:masterClrMapping/>
+  </p:clrMapOvr>
+  <p:timing>
+    <p:tnLst>
+      <p:par>
+        <p:cTn id="1" dur="indefinite" restart="never" nodeType="tmRoot">
+          <p:childTnLst>
+            <p:seq concurrent="1" nextAc="seek">
+              <p:cTn id="2" dur="indefinite" nodeType="mainSeq">
+                <p:childTnLst>
+                  <p:par>
+                    <p:cTn id="3" fill="hold">
+                      <p:stCondLst>
+                        <p:cond delay="indefinite"/>
+                      </p:stCondLst>
+                      <p:childTnLst>
+                        <p:par>
+                          <p:cTn id="4" fill="hold">
+                            <p:stCondLst>
+                              <p:cond delay="0"/>
+                            </p:stCondLst>
+                            <p:childTnLst>
+                              <p:par>
+                                <p:cTn id="5" presetID="10" presetClass="entr" presetSubtype="0" fill="hold" grpId="0" nodeType="clickEffect">
+                                  <p:stCondLst>
+                                    <p:cond delay="0"/>
+                                  </p:stCondLst>
+                                  <p:childTnLst>
+                                    <p:set>
+                                      <p:cBhvr>
+                                        <p:cTn id="6" dur="1" fill="hold">
+                                          <p:stCondLst>
+                                            <p:cond delay="0"/>
+                                          </p:stCondLst>
+                                        </p:cTn>
+                                        <p:tgtEl>
+                                          <p:spTgt spid="22"/>
+                                        </p:tgtEl>
+                                        <p:attrNameLst>
+                                          <p:attrName>style.visibility</p:attrName>
+                                        </p:attrNameLst>
+                                      </p:cBhvr>
+                                      <p:to>
+                                        <p:strVal val="visible"/>
+                                      </p:to>
+                                    </p:set>
+                                    <p:animEffect transition="in" filter="fade">
+                                      <p:cBhvr>
+                                        <p:cTn id="7" dur="500"/>
+                                        <p:tgtEl>
+                                          <p:spTgt spid="22"/>
+                                        </p:tgtEl>
+                                      </p:cBhvr>
+                                    </p:animEffect>
+                                  </p:childTnLst>
+                                </p:cTn>
+                              </p:par>
+                            </p:childTnLst>
+                          </p:cTn>
+                        </p:par>
+                      </p:childTnLst>
+                    </p:cTn>
+                  </p:par>
+                </p:childTnLst>
+              </p:cTn>
+              <p:prevCondLst>
+                <p:cond evt="onPrev" delay="0">
+                  <p:tgtEl>
+                    <p:sldTgt/>
+                  </p:tgtEl>
+                </p:cond>
+              </p:prevCondLst>
+              <p:nextCondLst>
+                <p:cond evt="onNext" delay="0">
+                  <p:tgtEl>
+                    <p:sldTgt/>
+                  </p:tgtEl>
+                </p:cond>
+              </p:nextCondLst>
+            </p:seq>
+          </p:childTnLst>
+        </p:cTn>
+      </p:par>
+    </p:tnLst>
+    <p:bldLst>
+      <p:bldP spid="22" grpId="0"/>
+    </p:bldLst>
+  </p:timing>
+</p:sld>
+</file>
+
+<file path=ppt/slides/slide5.xml><?xml version="1.0" encoding="utf-8"?>
+<p:sld xmlns:a="http://schemas.openxmlformats.org/drawingml/2006/main" xmlns:r="http://schemas.openxmlformats.org/officeDocument/2006/relationships" xmlns:p="http://schemas.openxmlformats.org/presentationml/2006/main">
+  <p:cSld>
+    <p:spTree>
+      <p:nvGrpSpPr>
+        <p:cNvPr id="1" name=""/>
+        <p:cNvGrpSpPr/>
+        <p:nvPr/>
+      </p:nvGrpSpPr>
+      <p:grpSpPr>
+        <a:xfrm>
+          <a:off x="0" y="0"/>
+          <a:ext cx="0" cy="0"/>
+          <a:chOff x="0" y="0"/>
+          <a:chExt cx="0" cy="0"/>
+        </a:xfrm>
+      </p:grpSpPr>
+      <p:sp>
+        <p:nvSpPr>
+          <p:cNvPr id="10" name="직사각형 9">
+            <a:extLst>
+              <a:ext uri="{FF2B5EF4-FFF2-40B4-BE49-F238E27FC236}">
+                <a16:creationId xmlns:a16="http://schemas.microsoft.com/office/drawing/2014/main" id="{72422AE4-B2BC-47F4-A55A-7923EBDB55ED}"/>
+              </a:ext>
+            </a:extLst>
+          </p:cNvPr>
+          <p:cNvSpPr/>
+          <p:nvPr/>
+        </p:nvSpPr>
+        <p:spPr>
+          <a:xfrm>
+            <a:off x="1586143" y="1020932"/>
+            <a:ext cx="9268287" cy="45719"/>
+          </a:xfrm>
+          <a:prstGeom prst="rect">
+            <a:avLst/>
+          </a:prstGeom>
+        </p:spPr>
+        <p:style>
+          <a:lnRef idx="2">
+            <a:schemeClr val="accent1">
+              <a:shade val="50000"/>
+            </a:schemeClr>
+          </a:lnRef>
+          <a:fillRef idx="1">
+            <a:schemeClr val="accent1"/>
+          </a:fillRef>
+          <a:effectRef idx="0">
+            <a:schemeClr val="accent1"/>
+          </a:effectRef>
+          <a:fontRef idx="minor">
+            <a:schemeClr val="lt1"/>
+          </a:fontRef>
+        </p:style>
+        <p:txBody>
+          <a:bodyPr rtlCol="0" anchor="ctr"/>
+          <a:lstStyle/>
+          <a:p>
+            <a:pPr algn="ctr"/>
+            <a:endParaRPr lang="ko-KR" altLang="en-US"/>
+          </a:p>
+        </p:txBody>
+      </p:sp>
+      <p:sp>
+        <p:nvSpPr>
+          <p:cNvPr id="11" name="직사각형 10">
+            <a:extLst>
+              <a:ext uri="{FF2B5EF4-FFF2-40B4-BE49-F238E27FC236}">
+                <a16:creationId xmlns:a16="http://schemas.microsoft.com/office/drawing/2014/main" id="{88C624B5-9431-4451-97AF-3F26F9D86089}"/>
+              </a:ext>
+            </a:extLst>
+          </p:cNvPr>
+          <p:cNvSpPr/>
+          <p:nvPr/>
+        </p:nvSpPr>
+        <p:spPr>
+          <a:xfrm flipV="1">
+            <a:off x="1586143" y="6174982"/>
+            <a:ext cx="9268287" cy="45719"/>
+          </a:xfrm>
+          <a:prstGeom prst="rect">
+            <a:avLst/>
+          </a:prstGeom>
+        </p:spPr>
+        <p:style>
+          <a:lnRef idx="2">
+            <a:schemeClr val="accent1">
+              <a:shade val="50000"/>
+            </a:schemeClr>
+          </a:lnRef>
+          <a:fillRef idx="1">
+            <a:schemeClr val="accent1"/>
+          </a:fillRef>
+          <a:effectRef idx="0">
+            <a:schemeClr val="accent1"/>
+          </a:effectRef>
+          <a:fontRef idx="minor">
+            <a:schemeClr val="lt1"/>
+          </a:fontRef>
+        </p:style>
+        <p:txBody>
+          <a:bodyPr rtlCol="0" anchor="ctr"/>
+          <a:lstStyle/>
+          <a:p>
+            <a:pPr algn="ctr"/>
+            <a:endParaRPr lang="ko-KR" altLang="en-US"/>
+          </a:p>
+        </p:txBody>
+      </p:sp>
+      <p:sp>
+        <p:nvSpPr>
+          <p:cNvPr id="9" name="TextBox 8">
+            <a:extLst>
+              <a:ext uri="{FF2B5EF4-FFF2-40B4-BE49-F238E27FC236}">
+                <a16:creationId xmlns:a16="http://schemas.microsoft.com/office/drawing/2014/main" id="{892C5DDA-40EE-4B50-9C05-6AFC7089F348}"/>
+              </a:ext>
+            </a:extLst>
+          </p:cNvPr>
+          <p:cNvSpPr txBox="1"/>
+          <p:nvPr/>
+        </p:nvSpPr>
+        <p:spPr>
+          <a:xfrm>
+            <a:off x="1704513" y="620822"/>
+            <a:ext cx="1157689" cy="400110"/>
+          </a:xfrm>
+          <a:prstGeom prst="rect">
+            <a:avLst/>
+          </a:prstGeom>
+          <a:noFill/>
+        </p:spPr>
+        <p:txBody>
+          <a:bodyPr wrap="none" rtlCol="0">
+            <a:spAutoFit/>
+          </a:bodyPr>
+          <a:lstStyle/>
+          <a:p>
+            <a:r>
+              <a:rPr lang="en-US" altLang="ko-KR" sz="2000" dirty="0"/>
+              <a:t>X11/X13</a:t>
+            </a:r>
+          </a:p>
+        </p:txBody>
+      </p:sp>
+      <p:graphicFrame>
+        <p:nvGraphicFramePr>
+          <p:cNvPr id="5" name="표 4">
+            <a:extLst>
+              <a:ext uri="{FF2B5EF4-FFF2-40B4-BE49-F238E27FC236}">
+                <a16:creationId xmlns:a16="http://schemas.microsoft.com/office/drawing/2014/main" id="{D740CD87-2503-43B4-AC5D-96A9C725B47B}"/>
+              </a:ext>
+            </a:extLst>
+          </p:cNvPr>
+          <p:cNvGraphicFramePr>
+            <a:graphicFrameLocks noGrp="1"/>
+          </p:cNvGraphicFramePr>
+          <p:nvPr>
+            <p:extLst>
+              <p:ext uri="{D42A27DB-BD31-4B8C-83A1-F6EECF244321}">
+                <p14:modId xmlns:p14="http://schemas.microsoft.com/office/powerpoint/2010/main" val="3464499832"/>
+              </p:ext>
+            </p:extLst>
+          </p:nvPr>
+        </p:nvGraphicFramePr>
+        <p:xfrm>
+          <a:off x="1739900" y="4424526"/>
+          <a:ext cx="8712200" cy="741680"/>
+        </p:xfrm>
+        <a:graphic>
+          <a:graphicData uri="http://schemas.openxmlformats.org/drawingml/2006/table">
+            <a:tbl>
+              <a:tblPr>
+                <a:tableStyleId>{5C22544A-7EE6-4342-B048-85BDC9FD1C3A}</a:tableStyleId>
+              </a:tblPr>
+              <a:tblGrid>
+                <a:gridCol w="1244600">
+                  <a:extLst>
+                    <a:ext uri="{9D8B030D-6E8A-4147-A177-3AD203B41FA5}">
+                      <a16:colId xmlns:a16="http://schemas.microsoft.com/office/drawing/2014/main" val="324886256"/>
+                    </a:ext>
+                  </a:extLst>
+                </a:gridCol>
+                <a:gridCol w="1244600">
+                  <a:extLst>
+                    <a:ext uri="{9D8B030D-6E8A-4147-A177-3AD203B41FA5}">
+                      <a16:colId xmlns:a16="http://schemas.microsoft.com/office/drawing/2014/main" val="1378434735"/>
+                    </a:ext>
+                  </a:extLst>
+                </a:gridCol>
+                <a:gridCol w="1244600">
+                  <a:extLst>
+                    <a:ext uri="{9D8B030D-6E8A-4147-A177-3AD203B41FA5}">
+                      <a16:colId xmlns:a16="http://schemas.microsoft.com/office/drawing/2014/main" val="2586581810"/>
+                    </a:ext>
+                  </a:extLst>
+                </a:gridCol>
+                <a:gridCol w="1244600">
+                  <a:extLst>
+                    <a:ext uri="{9D8B030D-6E8A-4147-A177-3AD203B41FA5}">
+                      <a16:colId xmlns:a16="http://schemas.microsoft.com/office/drawing/2014/main" val="3389255780"/>
+                    </a:ext>
+                  </a:extLst>
+                </a:gridCol>
+                <a:gridCol w="1244600">
+                  <a:extLst>
+                    <a:ext uri="{9D8B030D-6E8A-4147-A177-3AD203B41FA5}">
+                      <a16:colId xmlns:a16="http://schemas.microsoft.com/office/drawing/2014/main" val="4179550525"/>
+                    </a:ext>
+                  </a:extLst>
+                </a:gridCol>
+                <a:gridCol w="1244600">
+                  <a:extLst>
+                    <a:ext uri="{9D8B030D-6E8A-4147-A177-3AD203B41FA5}">
+                      <a16:colId xmlns:a16="http://schemas.microsoft.com/office/drawing/2014/main" val="2207906709"/>
+                    </a:ext>
+                  </a:extLst>
+                </a:gridCol>
+                <a:gridCol w="1244600">
+                  <a:extLst>
+                    <a:ext uri="{9D8B030D-6E8A-4147-A177-3AD203B41FA5}">
+                      <a16:colId xmlns:a16="http://schemas.microsoft.com/office/drawing/2014/main" val="2547006500"/>
+                    </a:ext>
+                  </a:extLst>
+                </a:gridCol>
+              </a:tblGrid>
+              <a:tr h="370840">
+                <a:tc>
+                  <a:txBody>
+                    <a:bodyPr/>
+                    <a:lstStyle/>
+                    <a:p>
+                      <a:pPr marL="0" marR="0" lvl="0" indent="0" algn="ctr" defTabSz="914400" rtl="0" eaLnBrk="1" fontAlgn="auto" latinLnBrk="1" hangingPunct="1">
+                        <a:lnSpc>
+                          <a:spcPct val="150000"/>
+                        </a:lnSpc>
+                        <a:spcBef>
+                          <a:spcPts val="0"/>
+                        </a:spcBef>
+                        <a:spcAft>
+                          <a:spcPts val="0"/>
+                        </a:spcAft>
+                        <a:buClrTx/>
+                        <a:buSzTx/>
+                        <a:buFontTx/>
+                        <a:buNone/>
+                        <a:tabLst/>
+                        <a:defRPr/>
+                      </a:pPr>
+                      <a:r>
+                        <a:rPr lang="en-US" altLang="ko-KR" sz="1400" b="0" i="0" kern="1200" dirty="0">
+                          <a:solidFill>
+                            <a:schemeClr val="tx1"/>
+                          </a:solidFill>
+                          <a:effectLst/>
+                          <a:latin typeface="+mn-lt"/>
+                          <a:ea typeface="+mn-ea"/>
+                          <a:cs typeface="+mn-cs"/>
+                        </a:rPr>
+                        <a:t>BLAKE</a:t>
+                      </a:r>
+                    </a:p>
+                  </a:txBody>
+                  <a:tcPr/>
+                </a:tc>
+                <a:tc>
+                  <a:txBody>
+                    <a:bodyPr/>
+                    <a:lstStyle/>
+                    <a:p>
+                      <a:pPr algn="ctr" latinLnBrk="1">
+                        <a:lnSpc>
+                          <a:spcPct val="150000"/>
+                        </a:lnSpc>
+                      </a:pPr>
+                      <a:r>
+                        <a:rPr lang="en-US" altLang="ko-KR" sz="1400" dirty="0"/>
+                        <a:t>BMW</a:t>
+                      </a:r>
+                      <a:endParaRPr lang="ko-KR" altLang="en-US" sz="1400" dirty="0"/>
+                    </a:p>
+                  </a:txBody>
+                  <a:tcPr/>
+                </a:tc>
+                <a:tc>
+                  <a:txBody>
+                    <a:bodyPr/>
+                    <a:lstStyle/>
+                    <a:p>
+                      <a:pPr marL="0" marR="0" lvl="0" indent="0" algn="ctr" defTabSz="914400" rtl="0" eaLnBrk="1" fontAlgn="auto" latinLnBrk="1" hangingPunct="1">
+                        <a:lnSpc>
+                          <a:spcPct val="150000"/>
+                        </a:lnSpc>
+                        <a:spcBef>
+                          <a:spcPts val="0"/>
+                        </a:spcBef>
+                        <a:spcAft>
+                          <a:spcPts val="0"/>
+                        </a:spcAft>
+                        <a:buClrTx/>
+                        <a:buSzTx/>
+                        <a:buFontTx/>
+                        <a:buNone/>
+                        <a:tabLst/>
+                        <a:defRPr/>
+                      </a:pPr>
+                      <a:r>
+                        <a:rPr lang="en-US" altLang="ko-KR" sz="1400" b="0" i="0" kern="1200" dirty="0" err="1">
+                          <a:solidFill>
+                            <a:schemeClr val="tx1"/>
+                          </a:solidFill>
+                          <a:effectLst/>
+                          <a:latin typeface="+mn-lt"/>
+                          <a:ea typeface="+mn-ea"/>
+                          <a:cs typeface="+mn-cs"/>
+                        </a:rPr>
+                        <a:t>Grøstl</a:t>
+                      </a:r>
+                      <a:endParaRPr lang="en-US" altLang="ko-KR" sz="1400" b="0" i="0" kern="1200" dirty="0">
+                        <a:solidFill>
+                          <a:schemeClr val="tx1"/>
+                        </a:solidFill>
+                        <a:effectLst/>
+                        <a:latin typeface="+mn-lt"/>
+                        <a:ea typeface="+mn-ea"/>
+                        <a:cs typeface="+mn-cs"/>
+                      </a:endParaRPr>
+                    </a:p>
+                  </a:txBody>
+                  <a:tcPr/>
+                </a:tc>
+                <a:tc>
+                  <a:txBody>
+                    <a:bodyPr/>
+                    <a:lstStyle/>
+                    <a:p>
+                      <a:pPr algn="ctr" latinLnBrk="1">
+                        <a:lnSpc>
+                          <a:spcPct val="150000"/>
+                        </a:lnSpc>
+                      </a:pPr>
+                      <a:r>
+                        <a:rPr lang="en-US" altLang="ko-KR" sz="1400" b="0" i="0" kern="1200" dirty="0">
+                          <a:solidFill>
+                            <a:schemeClr val="tx1"/>
+                          </a:solidFill>
+                          <a:effectLst/>
+                          <a:latin typeface="+mn-lt"/>
+                          <a:ea typeface="+mn-ea"/>
+                          <a:cs typeface="+mn-cs"/>
+                        </a:rPr>
+                        <a:t>JH</a:t>
+                      </a:r>
+                      <a:endParaRPr lang="ko-KR" altLang="en-US" sz="1400" dirty="0"/>
+                    </a:p>
+                  </a:txBody>
+                  <a:tcPr/>
+                </a:tc>
+                <a:tc>
+                  <a:txBody>
+                    <a:bodyPr/>
+                    <a:lstStyle/>
+                    <a:p>
+                      <a:pPr algn="ctr" latinLnBrk="1">
+                        <a:lnSpc>
+                          <a:spcPct val="150000"/>
+                        </a:lnSpc>
+                      </a:pPr>
+                      <a:r>
+                        <a:rPr lang="en-US" altLang="ko-KR" sz="1400" b="0" i="0" kern="1200" dirty="0">
+                          <a:solidFill>
+                            <a:schemeClr val="tx1"/>
+                          </a:solidFill>
+                          <a:effectLst/>
+                          <a:latin typeface="+mn-lt"/>
+                          <a:ea typeface="+mn-ea"/>
+                          <a:cs typeface="+mn-cs"/>
+                        </a:rPr>
+                        <a:t>Keccak</a:t>
+                      </a:r>
+                      <a:endParaRPr lang="ko-KR" altLang="en-US" sz="1400" dirty="0"/>
+                    </a:p>
+                  </a:txBody>
+                  <a:tcPr/>
+                </a:tc>
+                <a:tc>
+                  <a:txBody>
+                    <a:bodyPr/>
+                    <a:lstStyle/>
+                    <a:p>
+                      <a:pPr algn="ctr" latinLnBrk="1">
+                        <a:lnSpc>
+                          <a:spcPct val="150000"/>
+                        </a:lnSpc>
+                      </a:pPr>
+                      <a:r>
+                        <a:rPr lang="en-US" altLang="ko-KR" sz="1400" b="0" i="0" kern="1200" dirty="0">
+                          <a:solidFill>
+                            <a:schemeClr val="tx1"/>
+                          </a:solidFill>
+                          <a:effectLst/>
+                          <a:latin typeface="+mn-lt"/>
+                          <a:ea typeface="+mn-ea"/>
+                          <a:cs typeface="+mn-cs"/>
+                        </a:rPr>
+                        <a:t>Skein</a:t>
+                      </a:r>
+                      <a:endParaRPr lang="ko-KR" altLang="en-US" sz="1400" dirty="0"/>
+                    </a:p>
+                  </a:txBody>
+                  <a:tcPr/>
+                </a:tc>
+                <a:tc>
+                  <a:txBody>
+                    <a:bodyPr/>
+                    <a:lstStyle/>
+                    <a:p>
+                      <a:pPr marL="0" marR="0" lvl="0" indent="0" algn="ctr" defTabSz="914400" rtl="0" eaLnBrk="1" fontAlgn="auto" latinLnBrk="1" hangingPunct="1">
+                        <a:lnSpc>
+                          <a:spcPct val="150000"/>
+                        </a:lnSpc>
+                        <a:spcBef>
+                          <a:spcPts val="0"/>
+                        </a:spcBef>
+                        <a:spcAft>
+                          <a:spcPts val="0"/>
+                        </a:spcAft>
+                        <a:buClrTx/>
+                        <a:buSzTx/>
+                        <a:buFontTx/>
+                        <a:buNone/>
+                        <a:tabLst/>
+                        <a:defRPr/>
+                      </a:pPr>
+                      <a:r>
+                        <a:rPr lang="en-US" altLang="ko-KR" sz="1400" b="0" i="0" kern="1200" dirty="0">
+                          <a:solidFill>
+                            <a:schemeClr val="tx1"/>
+                          </a:solidFill>
+                          <a:effectLst/>
+                          <a:latin typeface="+mn-lt"/>
+                          <a:ea typeface="+mn-ea"/>
+                          <a:cs typeface="+mn-cs"/>
+                        </a:rPr>
+                        <a:t>Luffa</a:t>
+                      </a:r>
+                      <a:endParaRPr lang="ko-KR" altLang="en-US" sz="1400" dirty="0"/>
+                    </a:p>
+                  </a:txBody>
+                  <a:tcPr/>
+                </a:tc>
+                <a:extLst>
+                  <a:ext uri="{0D108BD9-81ED-4DB2-BD59-A6C34878D82A}">
+                    <a16:rowId xmlns:a16="http://schemas.microsoft.com/office/drawing/2014/main" val="2240636864"/>
+                  </a:ext>
+                </a:extLst>
+              </a:tr>
+              <a:tr h="370840">
+                <a:tc>
+                  <a:txBody>
+                    <a:bodyPr/>
+                    <a:lstStyle/>
+                    <a:p>
+                      <a:pPr algn="ctr" latinLnBrk="1">
+                        <a:lnSpc>
+                          <a:spcPct val="150000"/>
+                        </a:lnSpc>
+                      </a:pPr>
+                      <a:r>
+                        <a:rPr lang="en-US" altLang="ko-KR" sz="1400" b="0" i="0" kern="1200" dirty="0" err="1">
+                          <a:solidFill>
+                            <a:schemeClr val="tx1"/>
+                          </a:solidFill>
+                          <a:effectLst/>
+                          <a:latin typeface="+mn-lt"/>
+                          <a:ea typeface="+mn-ea"/>
+                          <a:cs typeface="+mn-cs"/>
+                        </a:rPr>
+                        <a:t>CubeHash</a:t>
+                      </a:r>
+                      <a:endParaRPr lang="ko-KR" altLang="en-US" sz="1400" dirty="0"/>
+                    </a:p>
+                  </a:txBody>
+                  <a:tcPr/>
+                </a:tc>
+                <a:tc>
+                  <a:txBody>
+                    <a:bodyPr/>
+                    <a:lstStyle/>
+                    <a:p>
+                      <a:pPr algn="ctr" latinLnBrk="1">
+                        <a:lnSpc>
+                          <a:spcPct val="150000"/>
+                        </a:lnSpc>
+                      </a:pPr>
+                      <a:r>
+                        <a:rPr lang="en-US" altLang="ko-KR" sz="1400" b="0" i="0" kern="1200" dirty="0">
+                          <a:solidFill>
+                            <a:schemeClr val="tx1"/>
+                          </a:solidFill>
+                          <a:effectLst/>
+                          <a:latin typeface="+mn-lt"/>
+                          <a:ea typeface="+mn-ea"/>
+                          <a:cs typeface="+mn-cs"/>
+                        </a:rPr>
+                        <a:t>SHAvite-3</a:t>
+                      </a:r>
+                      <a:endParaRPr lang="ko-KR" altLang="en-US" sz="1400" dirty="0"/>
+                    </a:p>
+                  </a:txBody>
+                  <a:tcPr/>
+                </a:tc>
+                <a:tc>
+                  <a:txBody>
+                    <a:bodyPr/>
+                    <a:lstStyle/>
+                    <a:p>
+                      <a:pPr algn="ctr" latinLnBrk="1">
+                        <a:lnSpc>
+                          <a:spcPct val="150000"/>
+                        </a:lnSpc>
+                      </a:pPr>
+                      <a:r>
+                        <a:rPr lang="en-US" altLang="ko-KR" sz="1400" b="0" i="0" kern="1200" dirty="0">
+                          <a:solidFill>
+                            <a:schemeClr val="tx1"/>
+                          </a:solidFill>
+                          <a:effectLst/>
+                          <a:latin typeface="+mn-lt"/>
+                          <a:ea typeface="+mn-ea"/>
+                          <a:cs typeface="+mn-cs"/>
+                        </a:rPr>
+                        <a:t>SIMD</a:t>
+                      </a:r>
+                      <a:endParaRPr lang="ko-KR" altLang="en-US" sz="1400" dirty="0"/>
+                    </a:p>
+                  </a:txBody>
+                  <a:tcPr/>
+                </a:tc>
+                <a:tc>
+                  <a:txBody>
+                    <a:bodyPr/>
+                    <a:lstStyle/>
+                    <a:p>
+                      <a:pPr algn="ctr" latinLnBrk="1">
+                        <a:lnSpc>
+                          <a:spcPct val="150000"/>
+                        </a:lnSpc>
+                      </a:pPr>
+                      <a:r>
+                        <a:rPr lang="en-US" altLang="ko-KR" sz="1400" b="0" i="0" kern="1200" dirty="0">
+                          <a:solidFill>
+                            <a:schemeClr val="tx1"/>
+                          </a:solidFill>
+                          <a:effectLst/>
+                          <a:latin typeface="+mn-lt"/>
+                          <a:ea typeface="+mn-ea"/>
+                          <a:cs typeface="+mn-cs"/>
+                        </a:rPr>
+                        <a:t>ECHO</a:t>
+                      </a:r>
+                      <a:endParaRPr lang="ko-KR" altLang="en-US" sz="1400" dirty="0"/>
+                    </a:p>
+                  </a:txBody>
+                  <a:tcPr/>
+                </a:tc>
+                <a:tc>
+                  <a:txBody>
+                    <a:bodyPr/>
+                    <a:lstStyle/>
+                    <a:p>
+                      <a:pPr algn="ctr" latinLnBrk="1">
+                        <a:lnSpc>
+                          <a:spcPct val="150000"/>
+                        </a:lnSpc>
+                      </a:pPr>
+                      <a:r>
+                        <a:rPr lang="en-US" altLang="ko-KR" sz="1400" b="0" i="0" kern="1200" dirty="0">
+                          <a:solidFill>
+                            <a:schemeClr val="dk1"/>
+                          </a:solidFill>
+                          <a:effectLst/>
+                          <a:latin typeface="+mn-lt"/>
+                          <a:ea typeface="+mn-ea"/>
+                          <a:cs typeface="+mn-cs"/>
+                        </a:rPr>
+                        <a:t>fugue</a:t>
+                      </a:r>
+                      <a:endParaRPr lang="ko-KR" altLang="en-US" sz="1400" dirty="0"/>
+                    </a:p>
+                  </a:txBody>
+                  <a:tcPr/>
+                </a:tc>
+                <a:tc>
+                  <a:txBody>
+                    <a:bodyPr/>
+                    <a:lstStyle/>
+                    <a:p>
+                      <a:pPr algn="ctr" latinLnBrk="1">
+                        <a:lnSpc>
+                          <a:spcPct val="150000"/>
+                        </a:lnSpc>
+                      </a:pPr>
+                      <a:r>
+                        <a:rPr lang="en-US" altLang="ko-KR" sz="1400" b="0" i="0" kern="1200" dirty="0" err="1">
+                          <a:solidFill>
+                            <a:schemeClr val="dk1"/>
+                          </a:solidFill>
+                          <a:effectLst/>
+                          <a:latin typeface="+mn-lt"/>
+                          <a:ea typeface="+mn-ea"/>
+                          <a:cs typeface="+mn-cs"/>
+                        </a:rPr>
+                        <a:t>hamsi</a:t>
+                      </a:r>
+                      <a:endParaRPr lang="ko-KR" altLang="en-US" sz="1400" dirty="0"/>
+                    </a:p>
+                  </a:txBody>
+                  <a:tcPr/>
+                </a:tc>
+                <a:tc>
+                  <a:txBody>
+                    <a:bodyPr/>
+                    <a:lstStyle/>
+                    <a:p>
+                      <a:pPr algn="ctr" latinLnBrk="1">
+                        <a:lnSpc>
+                          <a:spcPct val="150000"/>
+                        </a:lnSpc>
+                      </a:pPr>
+                      <a:r>
+                        <a:rPr lang="en-US" altLang="ko-KR" sz="1400" dirty="0"/>
+                        <a:t>-</a:t>
+                      </a:r>
+                      <a:endParaRPr lang="ko-KR" altLang="en-US" sz="1400" dirty="0"/>
+                    </a:p>
+                  </a:txBody>
+                  <a:tcPr/>
+                </a:tc>
+                <a:extLst>
+                  <a:ext uri="{0D108BD9-81ED-4DB2-BD59-A6C34878D82A}">
+                    <a16:rowId xmlns:a16="http://schemas.microsoft.com/office/drawing/2014/main" val="3397395530"/>
+                  </a:ext>
+                </a:extLst>
+              </a:tr>
+            </a:tbl>
+          </a:graphicData>
+        </a:graphic>
+      </p:graphicFrame>
+      <p:graphicFrame>
+        <p:nvGraphicFramePr>
+          <p:cNvPr id="6" name="표 5">
+            <a:extLst>
+              <a:ext uri="{FF2B5EF4-FFF2-40B4-BE49-F238E27FC236}">
+                <a16:creationId xmlns:a16="http://schemas.microsoft.com/office/drawing/2014/main" id="{CED5650B-CBD8-4F63-A368-35D1C88CCD84}"/>
+              </a:ext>
+            </a:extLst>
+          </p:cNvPr>
+          <p:cNvGraphicFramePr>
+            <a:graphicFrameLocks noGrp="1"/>
+          </p:cNvGraphicFramePr>
+          <p:nvPr>
+            <p:extLst>
+              <p:ext uri="{D42A27DB-BD31-4B8C-83A1-F6EECF244321}">
+                <p14:modId xmlns:p14="http://schemas.microsoft.com/office/powerpoint/2010/main" val="2607783659"/>
+              </p:ext>
+            </p:extLst>
+          </p:nvPr>
+        </p:nvGraphicFramePr>
+        <p:xfrm>
+          <a:off x="2031999" y="2125785"/>
+          <a:ext cx="8128002" cy="741680"/>
+        </p:xfrm>
+        <a:graphic>
+          <a:graphicData uri="http://schemas.openxmlformats.org/drawingml/2006/table">
+            <a:tbl>
+              <a:tblPr>
+                <a:tableStyleId>{5C22544A-7EE6-4342-B048-85BDC9FD1C3A}</a:tableStyleId>
+              </a:tblPr>
+              <a:tblGrid>
+                <a:gridCol w="1354667">
+                  <a:extLst>
+                    <a:ext uri="{9D8B030D-6E8A-4147-A177-3AD203B41FA5}">
+                      <a16:colId xmlns:a16="http://schemas.microsoft.com/office/drawing/2014/main" val="2194269839"/>
+                    </a:ext>
+                  </a:extLst>
+                </a:gridCol>
+                <a:gridCol w="1354667">
+                  <a:extLst>
+                    <a:ext uri="{9D8B030D-6E8A-4147-A177-3AD203B41FA5}">
+                      <a16:colId xmlns:a16="http://schemas.microsoft.com/office/drawing/2014/main" val="3904809531"/>
+                    </a:ext>
+                  </a:extLst>
+                </a:gridCol>
+                <a:gridCol w="1354667">
+                  <a:extLst>
+                    <a:ext uri="{9D8B030D-6E8A-4147-A177-3AD203B41FA5}">
+                      <a16:colId xmlns:a16="http://schemas.microsoft.com/office/drawing/2014/main" val="3789938667"/>
+                    </a:ext>
+                  </a:extLst>
+                </a:gridCol>
+                <a:gridCol w="1354667">
+                  <a:extLst>
+                    <a:ext uri="{9D8B030D-6E8A-4147-A177-3AD203B41FA5}">
+                      <a16:colId xmlns:a16="http://schemas.microsoft.com/office/drawing/2014/main" val="931702406"/>
+                    </a:ext>
+                  </a:extLst>
+                </a:gridCol>
+                <a:gridCol w="1354667">
+                  <a:extLst>
+                    <a:ext uri="{9D8B030D-6E8A-4147-A177-3AD203B41FA5}">
+                      <a16:colId xmlns:a16="http://schemas.microsoft.com/office/drawing/2014/main" val="2547215553"/>
+                    </a:ext>
+                  </a:extLst>
+                </a:gridCol>
+                <a:gridCol w="1354667">
+                  <a:extLst>
+                    <a:ext uri="{9D8B030D-6E8A-4147-A177-3AD203B41FA5}">
+                      <a16:colId xmlns:a16="http://schemas.microsoft.com/office/drawing/2014/main" val="2811908979"/>
+                    </a:ext>
+                  </a:extLst>
+                </a:gridCol>
+              </a:tblGrid>
+              <a:tr h="370840">
+                <a:tc>
+                  <a:txBody>
+                    <a:bodyPr/>
+                    <a:lstStyle/>
+                    <a:p>
+                      <a:pPr marL="0" marR="0" lvl="0" indent="0" algn="ctr" defTabSz="914400" rtl="0" eaLnBrk="1" fontAlgn="auto" latinLnBrk="1" hangingPunct="1">
+                        <a:lnSpc>
+                          <a:spcPct val="150000"/>
+                        </a:lnSpc>
+                        <a:spcBef>
+                          <a:spcPts val="0"/>
+                        </a:spcBef>
+                        <a:spcAft>
+                          <a:spcPts val="0"/>
+                        </a:spcAft>
+                        <a:buClrTx/>
+                        <a:buSzTx/>
+                        <a:buFontTx/>
+                        <a:buNone/>
+                        <a:tabLst/>
+                        <a:defRPr/>
+                      </a:pPr>
+                      <a:r>
+                        <a:rPr lang="en-US" altLang="ko-KR" sz="1400" b="0" i="0" kern="1200" dirty="0">
+                          <a:solidFill>
+                            <a:schemeClr val="tx1"/>
+                          </a:solidFill>
+                          <a:effectLst/>
+                          <a:latin typeface="+mn-lt"/>
+                          <a:ea typeface="+mn-ea"/>
+                          <a:cs typeface="+mn-cs"/>
+                        </a:rPr>
+                        <a:t>BLAKE</a:t>
+                      </a:r>
+                    </a:p>
+                  </a:txBody>
+                  <a:tcPr/>
+                </a:tc>
+                <a:tc>
+                  <a:txBody>
+                    <a:bodyPr/>
+                    <a:lstStyle/>
+                    <a:p>
+                      <a:pPr algn="ctr" latinLnBrk="1">
+                        <a:lnSpc>
+                          <a:spcPct val="150000"/>
+                        </a:lnSpc>
+                      </a:pPr>
+                      <a:r>
+                        <a:rPr lang="en-US" altLang="ko-KR" sz="1400" dirty="0"/>
+                        <a:t>BMW</a:t>
+                      </a:r>
+                      <a:endParaRPr lang="ko-KR" altLang="en-US" sz="1400" dirty="0"/>
+                    </a:p>
+                  </a:txBody>
+                  <a:tcPr/>
+                </a:tc>
+                <a:tc>
+                  <a:txBody>
+                    <a:bodyPr/>
+                    <a:lstStyle/>
+                    <a:p>
+                      <a:pPr marL="0" marR="0" lvl="0" indent="0" algn="ctr" defTabSz="914400" rtl="0" eaLnBrk="1" fontAlgn="auto" latinLnBrk="1" hangingPunct="1">
+                        <a:lnSpc>
+                          <a:spcPct val="150000"/>
+                        </a:lnSpc>
+                        <a:spcBef>
+                          <a:spcPts val="0"/>
+                        </a:spcBef>
+                        <a:spcAft>
+                          <a:spcPts val="0"/>
+                        </a:spcAft>
+                        <a:buClrTx/>
+                        <a:buSzTx/>
+                        <a:buFontTx/>
+                        <a:buNone/>
+                        <a:tabLst/>
+                        <a:defRPr/>
+                      </a:pPr>
+                      <a:r>
+                        <a:rPr lang="en-US" altLang="ko-KR" sz="1400" b="0" i="0" kern="1200" dirty="0" err="1">
+                          <a:solidFill>
+                            <a:schemeClr val="tx1"/>
+                          </a:solidFill>
+                          <a:effectLst/>
+                          <a:latin typeface="+mn-lt"/>
+                          <a:ea typeface="+mn-ea"/>
+                          <a:cs typeface="+mn-cs"/>
+                        </a:rPr>
+                        <a:t>Grøstl</a:t>
+                      </a:r>
+                      <a:endParaRPr lang="en-US" altLang="ko-KR" sz="1400" b="0" i="0" kern="1200" dirty="0">
+                        <a:solidFill>
+                          <a:schemeClr val="tx1"/>
+                        </a:solidFill>
+                        <a:effectLst/>
+                        <a:latin typeface="+mn-lt"/>
+                        <a:ea typeface="+mn-ea"/>
+                        <a:cs typeface="+mn-cs"/>
+                      </a:endParaRPr>
+                    </a:p>
+                  </a:txBody>
+                  <a:tcPr/>
+                </a:tc>
+                <a:tc>
+                  <a:txBody>
+                    <a:bodyPr/>
+                    <a:lstStyle/>
+                    <a:p>
+                      <a:pPr algn="ctr" latinLnBrk="1">
+                        <a:lnSpc>
+                          <a:spcPct val="150000"/>
+                        </a:lnSpc>
+                      </a:pPr>
+                      <a:r>
+                        <a:rPr lang="en-US" altLang="ko-KR" sz="1400" b="0" i="0" kern="1200" dirty="0">
+                          <a:solidFill>
+                            <a:schemeClr val="tx1"/>
+                          </a:solidFill>
+                          <a:effectLst/>
+                          <a:latin typeface="+mn-lt"/>
+                          <a:ea typeface="+mn-ea"/>
+                          <a:cs typeface="+mn-cs"/>
+                        </a:rPr>
+                        <a:t>JH</a:t>
+                      </a:r>
+                      <a:endParaRPr lang="ko-KR" altLang="en-US" sz="1400" dirty="0"/>
+                    </a:p>
+                  </a:txBody>
+                  <a:tcPr/>
+                </a:tc>
+                <a:tc>
+                  <a:txBody>
+                    <a:bodyPr/>
+                    <a:lstStyle/>
+                    <a:p>
+                      <a:pPr algn="ctr" latinLnBrk="1">
+                        <a:lnSpc>
+                          <a:spcPct val="150000"/>
+                        </a:lnSpc>
+                      </a:pPr>
+                      <a:r>
+                        <a:rPr lang="en-US" altLang="ko-KR" sz="1400" b="0" i="0" kern="1200" dirty="0">
+                          <a:solidFill>
+                            <a:schemeClr val="tx1"/>
+                          </a:solidFill>
+                          <a:effectLst/>
+                          <a:latin typeface="+mn-lt"/>
+                          <a:ea typeface="+mn-ea"/>
+                          <a:cs typeface="+mn-cs"/>
+                        </a:rPr>
+                        <a:t>Keccak</a:t>
+                      </a:r>
+                      <a:endParaRPr lang="ko-KR" altLang="en-US" sz="1400" dirty="0"/>
+                    </a:p>
+                  </a:txBody>
+                  <a:tcPr/>
+                </a:tc>
+                <a:tc>
+                  <a:txBody>
+                    <a:bodyPr/>
+                    <a:lstStyle/>
+                    <a:p>
+                      <a:pPr algn="ctr" latinLnBrk="1">
+                        <a:lnSpc>
+                          <a:spcPct val="150000"/>
+                        </a:lnSpc>
+                      </a:pPr>
+                      <a:r>
+                        <a:rPr lang="en-US" altLang="ko-KR" sz="1400" b="0" i="0" kern="1200" dirty="0">
+                          <a:solidFill>
+                            <a:schemeClr val="tx1"/>
+                          </a:solidFill>
+                          <a:effectLst/>
+                          <a:latin typeface="+mn-lt"/>
+                          <a:ea typeface="+mn-ea"/>
+                          <a:cs typeface="+mn-cs"/>
+                        </a:rPr>
+                        <a:t>Skein</a:t>
+                      </a:r>
+                      <a:endParaRPr lang="ko-KR" altLang="en-US" sz="1400" dirty="0"/>
+                    </a:p>
+                  </a:txBody>
+                  <a:tcPr/>
+                </a:tc>
+                <a:extLst>
+                  <a:ext uri="{0D108BD9-81ED-4DB2-BD59-A6C34878D82A}">
+                    <a16:rowId xmlns:a16="http://schemas.microsoft.com/office/drawing/2014/main" val="2283241438"/>
+                  </a:ext>
+                </a:extLst>
+              </a:tr>
+              <a:tr h="370840">
+                <a:tc>
+                  <a:txBody>
+                    <a:bodyPr/>
+                    <a:lstStyle/>
+                    <a:p>
+                      <a:pPr algn="ctr" latinLnBrk="1">
+                        <a:lnSpc>
+                          <a:spcPct val="150000"/>
+                        </a:lnSpc>
+                      </a:pPr>
+                      <a:r>
+                        <a:rPr lang="en-US" altLang="ko-KR" sz="1400" b="0" i="0" kern="1200" dirty="0">
+                          <a:solidFill>
+                            <a:schemeClr val="tx1"/>
+                          </a:solidFill>
+                          <a:effectLst/>
+                          <a:latin typeface="+mn-lt"/>
+                          <a:ea typeface="+mn-ea"/>
+                          <a:cs typeface="+mn-cs"/>
+                        </a:rPr>
+                        <a:t>Luffa</a:t>
+                      </a:r>
+                      <a:endParaRPr lang="ko-KR" altLang="en-US" sz="1400" dirty="0"/>
+                    </a:p>
+                  </a:txBody>
+                  <a:tcPr/>
+                </a:tc>
+                <a:tc>
+                  <a:txBody>
+                    <a:bodyPr/>
+                    <a:lstStyle/>
+                    <a:p>
+                      <a:pPr algn="ctr" latinLnBrk="1">
+                        <a:lnSpc>
+                          <a:spcPct val="150000"/>
+                        </a:lnSpc>
+                      </a:pPr>
+                      <a:r>
+                        <a:rPr lang="en-US" altLang="ko-KR" sz="1400" b="0" i="0" kern="1200" dirty="0" err="1">
+                          <a:solidFill>
+                            <a:schemeClr val="tx1"/>
+                          </a:solidFill>
+                          <a:effectLst/>
+                          <a:latin typeface="+mn-lt"/>
+                          <a:ea typeface="+mn-ea"/>
+                          <a:cs typeface="+mn-cs"/>
+                        </a:rPr>
+                        <a:t>CubeHash</a:t>
+                      </a:r>
+                      <a:endParaRPr lang="ko-KR" altLang="en-US" sz="1400" dirty="0"/>
+                    </a:p>
+                  </a:txBody>
+                  <a:tcPr/>
+                </a:tc>
+                <a:tc>
+                  <a:txBody>
+                    <a:bodyPr/>
+                    <a:lstStyle/>
+                    <a:p>
+                      <a:pPr algn="ctr" latinLnBrk="1">
+                        <a:lnSpc>
+                          <a:spcPct val="150000"/>
+                        </a:lnSpc>
+                      </a:pPr>
+                      <a:r>
+                        <a:rPr lang="en-US" altLang="ko-KR" sz="1400" b="0" i="0" kern="1200" dirty="0">
+                          <a:solidFill>
+                            <a:schemeClr val="tx1"/>
+                          </a:solidFill>
+                          <a:effectLst/>
+                          <a:latin typeface="+mn-lt"/>
+                          <a:ea typeface="+mn-ea"/>
+                          <a:cs typeface="+mn-cs"/>
+                        </a:rPr>
+                        <a:t>SHAvite-3</a:t>
+                      </a:r>
+                      <a:endParaRPr lang="ko-KR" altLang="en-US" sz="1400" dirty="0"/>
+                    </a:p>
+                  </a:txBody>
+                  <a:tcPr/>
+                </a:tc>
+                <a:tc>
+                  <a:txBody>
+                    <a:bodyPr/>
+                    <a:lstStyle/>
+                    <a:p>
+                      <a:pPr algn="ctr" latinLnBrk="1">
+                        <a:lnSpc>
+                          <a:spcPct val="150000"/>
+                        </a:lnSpc>
+                      </a:pPr>
+                      <a:r>
+                        <a:rPr lang="en-US" altLang="ko-KR" sz="1400" b="0" i="0" kern="1200" dirty="0">
+                          <a:solidFill>
+                            <a:schemeClr val="tx1"/>
+                          </a:solidFill>
+                          <a:effectLst/>
+                          <a:latin typeface="+mn-lt"/>
+                          <a:ea typeface="+mn-ea"/>
+                          <a:cs typeface="+mn-cs"/>
+                        </a:rPr>
+                        <a:t>SIMD</a:t>
+                      </a:r>
+                      <a:endParaRPr lang="ko-KR" altLang="en-US" sz="1400" dirty="0"/>
+                    </a:p>
+                  </a:txBody>
+                  <a:tcPr/>
+                </a:tc>
+                <a:tc>
+                  <a:txBody>
+                    <a:bodyPr/>
+                    <a:lstStyle/>
+                    <a:p>
+                      <a:pPr algn="ctr" latinLnBrk="1">
+                        <a:lnSpc>
+                          <a:spcPct val="150000"/>
+                        </a:lnSpc>
+                      </a:pPr>
+                      <a:r>
+                        <a:rPr lang="en-US" altLang="ko-KR" sz="1400" b="0" i="0" kern="1200" dirty="0">
+                          <a:solidFill>
+                            <a:schemeClr val="tx1"/>
+                          </a:solidFill>
+                          <a:effectLst/>
+                          <a:latin typeface="+mn-lt"/>
+                          <a:ea typeface="+mn-ea"/>
+                          <a:cs typeface="+mn-cs"/>
+                        </a:rPr>
+                        <a:t>ECHO</a:t>
+                      </a:r>
+                      <a:endParaRPr lang="ko-KR" altLang="en-US" sz="1400" dirty="0"/>
+                    </a:p>
+                  </a:txBody>
+                  <a:tcPr/>
+                </a:tc>
+                <a:tc>
+                  <a:txBody>
+                    <a:bodyPr/>
+                    <a:lstStyle/>
+                    <a:p>
+                      <a:pPr algn="ctr" latinLnBrk="1">
+                        <a:lnSpc>
+                          <a:spcPct val="150000"/>
+                        </a:lnSpc>
+                      </a:pPr>
+                      <a:r>
+                        <a:rPr lang="en-US" altLang="ko-KR" sz="1400" dirty="0"/>
+                        <a:t>-</a:t>
+                      </a:r>
+                      <a:endParaRPr lang="ko-KR" altLang="en-US" sz="1400" dirty="0"/>
+                    </a:p>
+                  </a:txBody>
+                  <a:tcPr/>
+                </a:tc>
+                <a:extLst>
+                  <a:ext uri="{0D108BD9-81ED-4DB2-BD59-A6C34878D82A}">
+                    <a16:rowId xmlns:a16="http://schemas.microsoft.com/office/drawing/2014/main" val="554359339"/>
+                  </a:ext>
+                </a:extLst>
+              </a:tr>
+            </a:tbl>
+          </a:graphicData>
+        </a:graphic>
+      </p:graphicFrame>
+      <p:sp>
+        <p:nvSpPr>
+          <p:cNvPr id="12" name="TextBox 11">
+            <a:extLst>
+              <a:ext uri="{FF2B5EF4-FFF2-40B4-BE49-F238E27FC236}">
+                <a16:creationId xmlns:a16="http://schemas.microsoft.com/office/drawing/2014/main" id="{450195A7-9B6D-4B25-9BC6-43C17E746A02}"/>
+              </a:ext>
+            </a:extLst>
+          </p:cNvPr>
+          <p:cNvSpPr txBox="1"/>
+          <p:nvPr/>
+        </p:nvSpPr>
+        <p:spPr>
+          <a:xfrm>
+            <a:off x="5741576" y="1613762"/>
+            <a:ext cx="708848" cy="461665"/>
+          </a:xfrm>
+          <a:prstGeom prst="rect">
+            <a:avLst/>
+          </a:prstGeom>
+          <a:noFill/>
+        </p:spPr>
+        <p:txBody>
+          <a:bodyPr wrap="none" rtlCol="0">
+            <a:spAutoFit/>
+          </a:bodyPr>
+          <a:lstStyle/>
+          <a:p>
+            <a:r>
+              <a:rPr lang="en-US" altLang="ko-KR" sz="2400" dirty="0"/>
+              <a:t>X11</a:t>
+            </a:r>
+          </a:p>
+        </p:txBody>
+      </p:sp>
+      <p:sp>
+        <p:nvSpPr>
+          <p:cNvPr id="13" name="TextBox 12">
+            <a:extLst>
+              <a:ext uri="{FF2B5EF4-FFF2-40B4-BE49-F238E27FC236}">
+                <a16:creationId xmlns:a16="http://schemas.microsoft.com/office/drawing/2014/main" id="{806D1846-ACFE-44C0-B2B7-71CE8110A941}"/>
+              </a:ext>
+            </a:extLst>
+          </p:cNvPr>
+          <p:cNvSpPr txBox="1"/>
+          <p:nvPr/>
+        </p:nvSpPr>
+        <p:spPr>
+          <a:xfrm>
+            <a:off x="5741576" y="3876241"/>
+            <a:ext cx="708848" cy="461665"/>
+          </a:xfrm>
+          <a:prstGeom prst="rect">
+            <a:avLst/>
+          </a:prstGeom>
+          <a:noFill/>
+        </p:spPr>
+        <p:txBody>
+          <a:bodyPr wrap="none" rtlCol="0">
+            <a:spAutoFit/>
+          </a:bodyPr>
+          <a:lstStyle/>
+          <a:p>
+            <a:r>
+              <a:rPr lang="en-US" altLang="ko-KR" sz="2400" dirty="0"/>
+              <a:t>X13</a:t>
+            </a:r>
+          </a:p>
+        </p:txBody>
+      </p:sp>
+    </p:spTree>
+    <p:extLst>
+      <p:ext uri="{BB962C8B-B14F-4D97-AF65-F5344CB8AC3E}">
+        <p14:creationId xmlns:p14="http://schemas.microsoft.com/office/powerpoint/2010/main" val="3854534387"/>
+      </p:ext>
+    </p:extLst>
+  </p:cSld>
+  <p:clrMapOvr>
+    <a:masterClrMapping/>
+  </p:clrMapOvr>
+  <p:timing>
+    <p:tnLst>
+      <p:par>
+        <p:cTn id="1" dur="indefinite" restart="never" nodeType="tmRoot">
+          <p:childTnLst>
+            <p:seq concurrent="1" nextAc="seek">
+              <p:cTn id="2" dur="indefinite" nodeType="mainSeq">
+                <p:childTnLst>
+                  <p:par>
+                    <p:cTn id="3" fill="hold">
+                      <p:stCondLst>
+                        <p:cond delay="indefinite"/>
+                      </p:stCondLst>
+                      <p:childTnLst>
+                        <p:par>
+                          <p:cTn id="4" fill="hold">
+                            <p:stCondLst>
+                              <p:cond delay="0"/>
+                            </p:stCondLst>
+                            <p:childTnLst>
+                              <p:par>
+                                <p:cTn id="5" presetID="10" presetClass="entr" presetSubtype="0" fill="hold" grpId="0" nodeType="clickEffect">
+                                  <p:stCondLst>
+                                    <p:cond delay="0"/>
+                                  </p:stCondLst>
+                                  <p:childTnLst>
+                                    <p:set>
+                                      <p:cBhvr>
+                                        <p:cTn id="6" dur="1" fill="hold">
+                                          <p:stCondLst>
+                                            <p:cond delay="0"/>
+                                          </p:stCondLst>
+                                        </p:cTn>
+                                        <p:tgtEl>
+                                          <p:spTgt spid="12"/>
+                                        </p:tgtEl>
+                                        <p:attrNameLst>
+                                          <p:attrName>style.visibility</p:attrName>
+                                        </p:attrNameLst>
+                                      </p:cBhvr>
+                                      <p:to>
+                                        <p:strVal val="visible"/>
+                                      </p:to>
+                                    </p:set>
+                                    <p:animEffect transition="in" filter="fade">
+                                      <p:cBhvr>
+                                        <p:cTn id="7" dur="500"/>
+                                        <p:tgtEl>
+                                          <p:spTgt spid="12"/>
+                                        </p:tgtEl>
+                                      </p:cBhvr>
+                                    </p:animEffect>
+                                  </p:childTnLst>
+                                </p:cTn>
+                              </p:par>
+                            </p:childTnLst>
+                          </p:cTn>
+                        </p:par>
+                      </p:childTnLst>
+                    </p:cTn>
+                  </p:par>
+                  <p:par>
+                    <p:cTn id="8" fill="hold">
+                      <p:stCondLst>
+                        <p:cond delay="indefinite"/>
+                      </p:stCondLst>
+                      <p:childTnLst>
+                        <p:par>
+                          <p:cTn id="9" fill="hold">
+                            <p:stCondLst>
+                              <p:cond delay="0"/>
+                            </p:stCondLst>
+                            <p:childTnLst>
+                              <p:par>
+                                <p:cTn id="10" presetID="10" presetClass="entr" presetSubtype="0" fill="hold" grpId="0" nodeType="clickEffect">
+                                  <p:stCondLst>
+                                    <p:cond delay="0"/>
+                                  </p:stCondLst>
+                                  <p:childTnLst>
+                                    <p:set>
+                                      <p:cBhvr>
+                                        <p:cTn id="11" dur="1" fill="hold">
+                                          <p:stCondLst>
+                                            <p:cond delay="0"/>
+                                          </p:stCondLst>
+                                        </p:cTn>
+                                        <p:tgtEl>
+                                          <p:spTgt spid="13"/>
+                                        </p:tgtEl>
+                                        <p:attrNameLst>
+                                          <p:attrName>style.visibility</p:attrName>
+                                        </p:attrNameLst>
+                                      </p:cBhvr>
+                                      <p:to>
+                                        <p:strVal val="visible"/>
+                                      </p:to>
+                                    </p:set>
+                                    <p:animEffect transition="in" filter="fade">
+                                      <p:cBhvr>
+                                        <p:cTn id="12" dur="500"/>
+                                        <p:tgtEl>
+                                          <p:spTgt spid="13"/>
+                                        </p:tgtEl>
+                                      </p:cBhvr>
+                                    </p:animEffect>
+                                  </p:childTnLst>
+                                </p:cTn>
+                              </p:par>
+                            </p:childTnLst>
+                          </p:cTn>
+                        </p:par>
+                      </p:childTnLst>
+                    </p:cTn>
+                  </p:par>
+                </p:childTnLst>
+              </p:cTn>
+              <p:prevCondLst>
+                <p:cond evt="onPrev" delay="0">
+                  <p:tgtEl>
+                    <p:sldTgt/>
+                  </p:tgtEl>
+                </p:cond>
+              </p:prevCondLst>
+              <p:nextCondLst>
+                <p:cond evt="onNext" delay="0">
+                  <p:tgtEl>
+                    <p:sldTgt/>
+                  </p:tgtEl>
+                </p:cond>
+              </p:nextCondLst>
+            </p:seq>
+          </p:childTnLst>
+        </p:cTn>
+      </p:par>
+    </p:tnLst>
+    <p:bldLst>
+      <p:bldP spid="12" grpId="0"/>
+      <p:bldP spid="13" grpId="0"/>
+    </p:bldLst>
+  </p:timing>
+</p:sld>
+</file>
+
+<file path=ppt/slides/slide6.xml><?xml version="1.0" encoding="utf-8"?>
+<p:sld xmlns:a="http://schemas.openxmlformats.org/drawingml/2006/main" xmlns:r="http://schemas.openxmlformats.org/officeDocument/2006/relationships" xmlns:p="http://schemas.openxmlformats.org/presentationml/2006/main">
+  <p:cSld>
+    <p:spTree>
+      <p:nvGrpSpPr>
+        <p:cNvPr id="1" name=""/>
+        <p:cNvGrpSpPr/>
+        <p:nvPr/>
+      </p:nvGrpSpPr>
+      <p:grpSpPr>
+        <a:xfrm>
+          <a:off x="0" y="0"/>
+          <a:ext cx="0" cy="0"/>
+          <a:chOff x="0" y="0"/>
+          <a:chExt cx="0" cy="0"/>
+        </a:xfrm>
+      </p:grpSpPr>
+      <p:sp>
+        <p:nvSpPr>
+          <p:cNvPr id="10" name="직사각형 9">
+            <a:extLst>
+              <a:ext uri="{FF2B5EF4-FFF2-40B4-BE49-F238E27FC236}">
+                <a16:creationId xmlns:a16="http://schemas.microsoft.com/office/drawing/2014/main" id="{72422AE4-B2BC-47F4-A55A-7923EBDB55ED}"/>
+              </a:ext>
+            </a:extLst>
+          </p:cNvPr>
+          <p:cNvSpPr/>
+          <p:nvPr/>
+        </p:nvSpPr>
+        <p:spPr>
+          <a:xfrm>
+            <a:off x="1586143" y="1020932"/>
+            <a:ext cx="9268287" cy="45719"/>
+          </a:xfrm>
+          <a:prstGeom prst="rect">
+            <a:avLst/>
+          </a:prstGeom>
+        </p:spPr>
+        <p:style>
+          <a:lnRef idx="2">
+            <a:schemeClr val="accent1">
+              <a:shade val="50000"/>
+            </a:schemeClr>
+          </a:lnRef>
+          <a:fillRef idx="1">
+            <a:schemeClr val="accent1"/>
+          </a:fillRef>
+          <a:effectRef idx="0">
+            <a:schemeClr val="accent1"/>
+          </a:effectRef>
+          <a:fontRef idx="minor">
+            <a:schemeClr val="lt1"/>
+          </a:fontRef>
+        </p:style>
+        <p:txBody>
+          <a:bodyPr rtlCol="0" anchor="ctr"/>
+          <a:lstStyle/>
+          <a:p>
+            <a:pPr algn="ctr"/>
+            <a:endParaRPr lang="ko-KR" altLang="en-US"/>
+          </a:p>
+        </p:txBody>
+      </p:sp>
+      <p:sp>
+        <p:nvSpPr>
+          <p:cNvPr id="11" name="직사각형 10">
+            <a:extLst>
+              <a:ext uri="{FF2B5EF4-FFF2-40B4-BE49-F238E27FC236}">
+                <a16:creationId xmlns:a16="http://schemas.microsoft.com/office/drawing/2014/main" id="{88C624B5-9431-4451-97AF-3F26F9D86089}"/>
+              </a:ext>
+            </a:extLst>
+          </p:cNvPr>
+          <p:cNvSpPr/>
+          <p:nvPr/>
+        </p:nvSpPr>
+        <p:spPr>
+          <a:xfrm flipV="1">
+            <a:off x="1586143" y="6174982"/>
+            <a:ext cx="9268287" cy="45719"/>
+          </a:xfrm>
+          <a:prstGeom prst="rect">
+            <a:avLst/>
+          </a:prstGeom>
+        </p:spPr>
+        <p:style>
+          <a:lnRef idx="2">
+            <a:schemeClr val="accent1">
+              <a:shade val="50000"/>
+            </a:schemeClr>
+          </a:lnRef>
+          <a:fillRef idx="1">
+            <a:schemeClr val="accent1"/>
+          </a:fillRef>
+          <a:effectRef idx="0">
+            <a:schemeClr val="accent1"/>
+          </a:effectRef>
+          <a:fontRef idx="minor">
+            <a:schemeClr val="lt1"/>
+          </a:fontRef>
+        </p:style>
+        <p:txBody>
+          <a:bodyPr rtlCol="0" anchor="ctr"/>
+          <a:lstStyle/>
+          <a:p>
+            <a:pPr algn="ctr"/>
+            <a:endParaRPr lang="ko-KR" altLang="en-US"/>
+          </a:p>
+        </p:txBody>
+      </p:sp>
+      <p:sp>
+        <p:nvSpPr>
+          <p:cNvPr id="9" name="TextBox 8">
+            <a:extLst>
+              <a:ext uri="{FF2B5EF4-FFF2-40B4-BE49-F238E27FC236}">
+                <a16:creationId xmlns:a16="http://schemas.microsoft.com/office/drawing/2014/main" id="{892C5DDA-40EE-4B50-9C05-6AFC7089F348}"/>
+              </a:ext>
+            </a:extLst>
+          </p:cNvPr>
+          <p:cNvSpPr txBox="1"/>
+          <p:nvPr/>
+        </p:nvSpPr>
+        <p:spPr>
+          <a:xfrm>
+            <a:off x="1704513" y="620822"/>
+            <a:ext cx="1157689" cy="400110"/>
+          </a:xfrm>
+          <a:prstGeom prst="rect">
+            <a:avLst/>
+          </a:prstGeom>
+          <a:noFill/>
+        </p:spPr>
+        <p:txBody>
+          <a:bodyPr wrap="none" rtlCol="0">
+            <a:spAutoFit/>
+          </a:bodyPr>
+          <a:lstStyle/>
+          <a:p>
+            <a:r>
+              <a:rPr lang="en-US" altLang="ko-KR" sz="2000" dirty="0"/>
+              <a:t>X11/X13</a:t>
+            </a:r>
+          </a:p>
+        </p:txBody>
+      </p:sp>
+      <p:sp>
+        <p:nvSpPr>
+          <p:cNvPr id="15" name="TextBox 14">
+            <a:extLst>
+              <a:ext uri="{FF2B5EF4-FFF2-40B4-BE49-F238E27FC236}">
+                <a16:creationId xmlns:a16="http://schemas.microsoft.com/office/drawing/2014/main" id="{F0244443-A4EF-4A80-9ACB-358F6397CEDB}"/>
+              </a:ext>
+            </a:extLst>
+          </p:cNvPr>
+          <p:cNvSpPr txBox="1"/>
+          <p:nvPr/>
+        </p:nvSpPr>
+        <p:spPr>
+          <a:xfrm>
+            <a:off x="2862202" y="4816575"/>
+            <a:ext cx="6462025" cy="461665"/>
+          </a:xfrm>
+          <a:prstGeom prst="rect">
+            <a:avLst/>
+          </a:prstGeom>
+          <a:noFill/>
+        </p:spPr>
+        <p:txBody>
+          <a:bodyPr wrap="none" rtlCol="0">
+            <a:spAutoFit/>
+          </a:bodyPr>
+          <a:lstStyle/>
+          <a:p>
+            <a:pPr algn="ctr"/>
+            <a:r>
+              <a:rPr lang="en-US" altLang="ko-KR" sz="2400" dirty="0"/>
+              <a:t>X11, X13</a:t>
+            </a:r>
+            <a:r>
+              <a:rPr lang="ko-KR" altLang="en-US" sz="2400" dirty="0"/>
+              <a:t>이 적용된 대표적인 블록체인 플랫폼</a:t>
+            </a:r>
+            <a:endParaRPr lang="en-US" altLang="ko-KR" sz="2400" dirty="0"/>
+          </a:p>
+        </p:txBody>
+      </p:sp>
+      <p:pic>
+        <p:nvPicPr>
+          <p:cNvPr id="5" name="그림 4">
+            <a:extLst>
+              <a:ext uri="{FF2B5EF4-FFF2-40B4-BE49-F238E27FC236}">
+                <a16:creationId xmlns:a16="http://schemas.microsoft.com/office/drawing/2014/main" id="{39023D82-CD12-42CF-8049-02832E1F8BCC}"/>
+              </a:ext>
+            </a:extLst>
+          </p:cNvPr>
+          <p:cNvPicPr>
+            <a:picLocks noChangeAspect="1"/>
+          </p:cNvPicPr>
+          <p:nvPr/>
+        </p:nvPicPr>
+        <p:blipFill>
+          <a:blip r:embed="rId3">
+            <a:extLst>
+              <a:ext uri="{28A0092B-C50C-407E-A947-70E740481C1C}">
+                <a14:useLocalDpi xmlns:a14="http://schemas.microsoft.com/office/drawing/2010/main" val="0"/>
+              </a:ext>
+            </a:extLst>
+          </a:blip>
+          <a:stretch>
+            <a:fillRect/>
+          </a:stretch>
+        </p:blipFill>
+        <p:spPr>
+          <a:xfrm>
+            <a:off x="7096919" y="2476500"/>
+            <a:ext cx="1905000" cy="1905000"/>
+          </a:xfrm>
+          <a:prstGeom prst="rect">
+            <a:avLst/>
+          </a:prstGeom>
+        </p:spPr>
+      </p:pic>
+      <p:pic>
+        <p:nvPicPr>
+          <p:cNvPr id="7" name="그림 6">
+            <a:extLst>
+              <a:ext uri="{FF2B5EF4-FFF2-40B4-BE49-F238E27FC236}">
+                <a16:creationId xmlns:a16="http://schemas.microsoft.com/office/drawing/2014/main" id="{9CE6771B-F5A3-4802-8E2F-6A2759983EB8}"/>
+              </a:ext>
+            </a:extLst>
+          </p:cNvPr>
+          <p:cNvPicPr>
+            <a:picLocks noChangeAspect="1"/>
+          </p:cNvPicPr>
+          <p:nvPr/>
+        </p:nvPicPr>
+        <p:blipFill>
+          <a:blip r:embed="rId4">
+            <a:extLst>
+              <a:ext uri="{28A0092B-C50C-407E-A947-70E740481C1C}">
+                <a14:useLocalDpi xmlns:a14="http://schemas.microsoft.com/office/drawing/2010/main" val="0"/>
+              </a:ext>
+            </a:extLst>
+          </a:blip>
+          <a:stretch>
+            <a:fillRect/>
+          </a:stretch>
+        </p:blipFill>
+        <p:spPr>
+          <a:xfrm>
+            <a:off x="3190080" y="2476500"/>
+            <a:ext cx="1905000" cy="1905000"/>
+          </a:xfrm>
+          <a:prstGeom prst="rect">
+            <a:avLst/>
+          </a:prstGeom>
+        </p:spPr>
+      </p:pic>
+    </p:spTree>
+    <p:extLst>
+      <p:ext uri="{BB962C8B-B14F-4D97-AF65-F5344CB8AC3E}">
+        <p14:creationId xmlns:p14="http://schemas.microsoft.com/office/powerpoint/2010/main" val="1722816282"/>
+      </p:ext>
+    </p:extLst>
+  </p:cSld>
+  <p:clrMapOvr>
+    <a:masterClrMapping/>
+  </p:clrMapOvr>
+  <p:timing>
+    <p:tnLst>
+      <p:par>
+        <p:cTn id="1" dur="indefinite" restart="never" nodeType="tmRoot">
+          <p:childTnLst>
+            <p:seq concurrent="1" nextAc="seek">
+              <p:cTn id="2" dur="indefinite" nodeType="mainSeq">
+                <p:childTnLst>
+                  <p:par>
+                    <p:cTn id="3" fill="hold">
+                      <p:stCondLst>
+                        <p:cond delay="indefinite"/>
+                      </p:stCondLst>
+                      <p:childTnLst>
+                        <p:par>
+                          <p:cTn id="4" fill="hold">
+                            <p:stCondLst>
+                              <p:cond delay="0"/>
+                            </p:stCondLst>
+                            <p:childTnLst>
+                              <p:par>
+                                <p:cTn id="5" presetID="10" presetClass="entr" presetSubtype="0" fill="hold" grpId="0" nodeType="clickEffect">
+                                  <p:stCondLst>
+                                    <p:cond delay="0"/>
+                                  </p:stCondLst>
+                                  <p:childTnLst>
+                                    <p:set>
+                                      <p:cBhvr>
+                                        <p:cTn id="6" dur="1" fill="hold">
+                                          <p:stCondLst>
+                                            <p:cond delay="0"/>
+                                          </p:stCondLst>
+                                        </p:cTn>
+                                        <p:tgtEl>
+                                          <p:spTgt spid="15"/>
+                                        </p:tgtEl>
+                                        <p:attrNameLst>
+                                          <p:attrName>style.visibility</p:attrName>
+                                        </p:attrNameLst>
+                                      </p:cBhvr>
+                                      <p:to>
+                                        <p:strVal val="visible"/>
+                                      </p:to>
+                                    </p:set>
+                                    <p:animEffect transition="in" filter="fade">
+                                      <p:cBhvr>
+                                        <p:cTn id="7" dur="500"/>
+                                        <p:tgtEl>
+                                          <p:spTgt spid="15"/>
+                                        </p:tgtEl>
+                                      </p:cBhvr>
+                                    </p:animEffect>
+                                  </p:childTnLst>
+                                </p:cTn>
+                              </p:par>
+                            </p:childTnLst>
+                          </p:cTn>
+                        </p:par>
+                      </p:childTnLst>
+                    </p:cTn>
+                  </p:par>
+                </p:childTnLst>
+              </p:cTn>
+              <p:prevCondLst>
+                <p:cond evt="onPrev" delay="0">
+                  <p:tgtEl>
+                    <p:sldTgt/>
+                  </p:tgtEl>
+                </p:cond>
+              </p:prevCondLst>
+              <p:nextCondLst>
+                <p:cond evt="onNext" delay="0">
+                  <p:tgtEl>
+                    <p:sldTgt/>
+                  </p:tgtEl>
+                </p:cond>
+              </p:nextCondLst>
+            </p:seq>
+          </p:childTnLst>
+        </p:cTn>
+      </p:par>
+    </p:tnLst>
+    <p:bldLst>
+      <p:bldP spid="15" grpId="0"/>
+    </p:bldLst>
+  </p:timing>
+</p:sld>
+</file>
+
+<file path=ppt/slides/slide7.xml><?xml version="1.0" encoding="utf-8"?>
+<p:sld xmlns:a="http://schemas.openxmlformats.org/drawingml/2006/main" xmlns:r="http://schemas.openxmlformats.org/officeDocument/2006/relationships" xmlns:p="http://schemas.openxmlformats.org/presentationml/2006/main">
+  <p:cSld>
+    <p:spTree>
+      <p:nvGrpSpPr>
+        <p:cNvPr id="1" name=""/>
+        <p:cNvGrpSpPr/>
+        <p:nvPr/>
+      </p:nvGrpSpPr>
+      <p:grpSpPr>
+        <a:xfrm>
+          <a:off x="0" y="0"/>
+          <a:ext cx="0" cy="0"/>
+          <a:chOff x="0" y="0"/>
+          <a:chExt cx="0" cy="0"/>
+        </a:xfrm>
+      </p:grpSpPr>
+      <p:sp>
+        <p:nvSpPr>
+          <p:cNvPr id="10" name="직사각형 9">
+            <a:extLst>
+              <a:ext uri="{FF2B5EF4-FFF2-40B4-BE49-F238E27FC236}">
+                <a16:creationId xmlns:a16="http://schemas.microsoft.com/office/drawing/2014/main" id="{72422AE4-B2BC-47F4-A55A-7923EBDB55ED}"/>
+              </a:ext>
+            </a:extLst>
+          </p:cNvPr>
+          <p:cNvSpPr/>
+          <p:nvPr/>
+        </p:nvSpPr>
+        <p:spPr>
+          <a:xfrm>
+            <a:off x="1586143" y="1020932"/>
+            <a:ext cx="9268287" cy="45719"/>
+          </a:xfrm>
+          <a:prstGeom prst="rect">
+            <a:avLst/>
+          </a:prstGeom>
+        </p:spPr>
+        <p:style>
+          <a:lnRef idx="2">
+            <a:schemeClr val="accent1">
+              <a:shade val="50000"/>
+            </a:schemeClr>
+          </a:lnRef>
+          <a:fillRef idx="1">
+            <a:schemeClr val="accent1"/>
+          </a:fillRef>
+          <a:effectRef idx="0">
+            <a:schemeClr val="accent1"/>
+          </a:effectRef>
+          <a:fontRef idx="minor">
+            <a:schemeClr val="lt1"/>
+          </a:fontRef>
+        </p:style>
+        <p:txBody>
+          <a:bodyPr rtlCol="0" anchor="ctr"/>
+          <a:lstStyle/>
+          <a:p>
+            <a:pPr algn="ctr"/>
+            <a:endParaRPr lang="ko-KR" altLang="en-US"/>
+          </a:p>
+        </p:txBody>
+      </p:sp>
+      <p:sp>
+        <p:nvSpPr>
+          <p:cNvPr id="11" name="직사각형 10">
+            <a:extLst>
+              <a:ext uri="{FF2B5EF4-FFF2-40B4-BE49-F238E27FC236}">
+                <a16:creationId xmlns:a16="http://schemas.microsoft.com/office/drawing/2014/main" id="{88C624B5-9431-4451-97AF-3F26F9D86089}"/>
+              </a:ext>
+            </a:extLst>
+          </p:cNvPr>
+          <p:cNvSpPr/>
+          <p:nvPr/>
+        </p:nvSpPr>
+        <p:spPr>
+          <a:xfrm flipV="1">
+            <a:off x="1586143" y="6174982"/>
+            <a:ext cx="9268287" cy="45719"/>
+          </a:xfrm>
+          <a:prstGeom prst="rect">
+            <a:avLst/>
+          </a:prstGeom>
+        </p:spPr>
+        <p:style>
+          <a:lnRef idx="2">
+            <a:schemeClr val="accent1">
+              <a:shade val="50000"/>
+            </a:schemeClr>
+          </a:lnRef>
+          <a:fillRef idx="1">
+            <a:schemeClr val="accent1"/>
+          </a:fillRef>
+          <a:effectRef idx="0">
+            <a:schemeClr val="accent1"/>
+          </a:effectRef>
+          <a:fontRef idx="minor">
+            <a:schemeClr val="lt1"/>
+          </a:fontRef>
+        </p:style>
+        <p:txBody>
+          <a:bodyPr rtlCol="0" anchor="ctr"/>
+          <a:lstStyle/>
+          <a:p>
+            <a:pPr algn="ctr"/>
+            <a:endParaRPr lang="ko-KR" altLang="en-US"/>
+          </a:p>
+        </p:txBody>
+      </p:sp>
+      <p:sp>
+        <p:nvSpPr>
+          <p:cNvPr id="9" name="TextBox 8">
+            <a:extLst>
+              <a:ext uri="{FF2B5EF4-FFF2-40B4-BE49-F238E27FC236}">
+                <a16:creationId xmlns:a16="http://schemas.microsoft.com/office/drawing/2014/main" id="{892C5DDA-40EE-4B50-9C05-6AFC7089F348}"/>
+              </a:ext>
+            </a:extLst>
+          </p:cNvPr>
+          <p:cNvSpPr txBox="1"/>
+          <p:nvPr/>
+        </p:nvSpPr>
+        <p:spPr>
+          <a:xfrm>
+            <a:off x="1704513" y="620822"/>
+            <a:ext cx="1157689" cy="400110"/>
+          </a:xfrm>
+          <a:prstGeom prst="rect">
+            <a:avLst/>
+          </a:prstGeom>
+          <a:noFill/>
+        </p:spPr>
+        <p:txBody>
+          <a:bodyPr wrap="none" rtlCol="0">
+            <a:spAutoFit/>
+          </a:bodyPr>
+          <a:lstStyle/>
+          <a:p>
+            <a:r>
+              <a:rPr lang="en-US" altLang="ko-KR" sz="2000" dirty="0"/>
+              <a:t>X11/X13</a:t>
+            </a:r>
+          </a:p>
+        </p:txBody>
+      </p:sp>
+      <p:pic>
+        <p:nvPicPr>
+          <p:cNvPr id="14" name="그림 13">
+            <a:extLst>
+              <a:ext uri="{FF2B5EF4-FFF2-40B4-BE49-F238E27FC236}">
+                <a16:creationId xmlns:a16="http://schemas.microsoft.com/office/drawing/2014/main" id="{FD133F22-259B-4E59-AD6E-5A88D658BCD9}"/>
+              </a:ext>
+            </a:extLst>
+          </p:cNvPr>
+          <p:cNvPicPr>
+            <a:picLocks noChangeAspect="1"/>
+          </p:cNvPicPr>
+          <p:nvPr/>
+        </p:nvPicPr>
+        <p:blipFill>
+          <a:blip r:embed="rId3">
+            <a:extLst>
+              <a:ext uri="{28A0092B-C50C-407E-A947-70E740481C1C}">
+                <a14:useLocalDpi xmlns:a14="http://schemas.microsoft.com/office/drawing/2010/main" val="0"/>
+              </a:ext>
+            </a:extLst>
+          </a:blip>
+          <a:stretch>
+            <a:fillRect/>
+          </a:stretch>
+        </p:blipFill>
+        <p:spPr>
+          <a:xfrm>
+            <a:off x="2398043" y="2113567"/>
+            <a:ext cx="7644485" cy="1261004"/>
+          </a:xfrm>
+          <a:prstGeom prst="rect">
+            <a:avLst/>
+          </a:prstGeom>
+        </p:spPr>
+      </p:pic>
+      <p:sp>
+        <p:nvSpPr>
+          <p:cNvPr id="2" name="직사각형 1">
+            <a:extLst>
+              <a:ext uri="{FF2B5EF4-FFF2-40B4-BE49-F238E27FC236}">
+                <a16:creationId xmlns:a16="http://schemas.microsoft.com/office/drawing/2014/main" id="{2F332002-E76C-4D0C-B2CC-EE1F83400DD7}"/>
+              </a:ext>
+            </a:extLst>
+          </p:cNvPr>
+          <p:cNvSpPr/>
+          <p:nvPr/>
+        </p:nvSpPr>
+        <p:spPr>
+          <a:xfrm>
+            <a:off x="3853543" y="1970314"/>
+            <a:ext cx="3200400" cy="1611086"/>
+          </a:xfrm>
+          <a:prstGeom prst="rect">
+            <a:avLst/>
+          </a:prstGeom>
+          <a:noFill/>
+          <a:ln w="28575">
+            <a:solidFill>
+              <a:srgbClr val="FF0000"/>
+            </a:solidFill>
+          </a:ln>
+        </p:spPr>
+        <p:style>
+          <a:lnRef idx="2">
+            <a:schemeClr val="accent1">
+              <a:shade val="50000"/>
+            </a:schemeClr>
+          </a:lnRef>
+          <a:fillRef idx="1">
+            <a:schemeClr val="accent1"/>
+          </a:fillRef>
+          <a:effectRef idx="0">
+            <a:schemeClr val="accent1"/>
+          </a:effectRef>
+          <a:fontRef idx="minor">
+            <a:schemeClr val="lt1"/>
+          </a:fontRef>
+        </p:style>
+        <p:txBody>
+          <a:bodyPr rtlCol="0" anchor="ctr"/>
+          <a:lstStyle/>
+          <a:p>
+            <a:pPr algn="ctr"/>
+            <a:endParaRPr lang="ko-KR" altLang="en-US"/>
+          </a:p>
+        </p:txBody>
+      </p:sp>
+      <p:cxnSp>
+        <p:nvCxnSpPr>
+          <p:cNvPr id="4" name="직선 화살표 연결선 3">
+            <a:extLst>
+              <a:ext uri="{FF2B5EF4-FFF2-40B4-BE49-F238E27FC236}">
+                <a16:creationId xmlns:a16="http://schemas.microsoft.com/office/drawing/2014/main" id="{DB76BE36-883F-4D75-90F0-DAB8A4978D15}"/>
+              </a:ext>
+            </a:extLst>
+          </p:cNvPr>
+          <p:cNvCxnSpPr>
+            <a:cxnSpLocks/>
+          </p:cNvCxnSpPr>
+          <p:nvPr/>
+        </p:nvCxnSpPr>
+        <p:spPr>
+          <a:xfrm>
+            <a:off x="6215743" y="3581400"/>
+            <a:ext cx="0" cy="1045029"/>
+          </a:xfrm>
+          <a:prstGeom prst="straightConnector1">
+            <a:avLst/>
+          </a:prstGeom>
+          <a:ln w="28575">
+            <a:solidFill>
+              <a:srgbClr val="FF0000"/>
+            </a:solidFill>
+            <a:tailEnd type="triangle"/>
+          </a:ln>
+        </p:spPr>
+        <p:style>
+          <a:lnRef idx="1">
+            <a:schemeClr val="accent1"/>
+          </a:lnRef>
+          <a:fillRef idx="0">
+            <a:schemeClr val="accent1"/>
+          </a:fillRef>
+          <a:effectRef idx="0">
+            <a:schemeClr val="accent1"/>
+          </a:effectRef>
+          <a:fontRef idx="minor">
+            <a:schemeClr val="tx1"/>
+          </a:fontRef>
+        </p:style>
+      </p:cxnSp>
+      <p:sp>
+        <p:nvSpPr>
+          <p:cNvPr id="8" name="양쪽 대괄호 7">
+            <a:extLst>
+              <a:ext uri="{FF2B5EF4-FFF2-40B4-BE49-F238E27FC236}">
+                <a16:creationId xmlns:a16="http://schemas.microsoft.com/office/drawing/2014/main" id="{8F634D2D-50AE-4F8E-B1CA-61720DD11558}"/>
+              </a:ext>
+            </a:extLst>
+          </p:cNvPr>
+          <p:cNvSpPr/>
+          <p:nvPr/>
+        </p:nvSpPr>
+        <p:spPr>
+          <a:xfrm>
+            <a:off x="4049113" y="4843749"/>
+            <a:ext cx="4093771" cy="306687"/>
+          </a:xfrm>
+          <a:prstGeom prst="bracketPair">
+            <a:avLst>
+              <a:gd name="adj" fmla="val 20217"/>
+            </a:avLst>
+          </a:prstGeom>
+          <a:ln w="19050"/>
+        </p:spPr>
+        <p:style>
+          <a:lnRef idx="1">
+            <a:schemeClr val="accent1"/>
+          </a:lnRef>
+          <a:fillRef idx="0">
+            <a:schemeClr val="accent1"/>
+          </a:fillRef>
+          <a:effectRef idx="0">
+            <a:schemeClr val="accent1"/>
+          </a:effectRef>
+          <a:fontRef idx="minor">
+            <a:schemeClr val="tx1"/>
+          </a:fontRef>
+        </p:style>
+        <p:txBody>
+          <a:bodyPr rtlCol="0" anchor="ctr"/>
+          <a:lstStyle/>
+          <a:p>
+            <a:pPr algn="ctr"/>
+            <a:endParaRPr lang="ko-KR" altLang="en-US"/>
+          </a:p>
+        </p:txBody>
+      </p:sp>
+      <p:sp>
+        <p:nvSpPr>
+          <p:cNvPr id="15" name="TextBox 14">
+            <a:extLst>
+              <a:ext uri="{FF2B5EF4-FFF2-40B4-BE49-F238E27FC236}">
+                <a16:creationId xmlns:a16="http://schemas.microsoft.com/office/drawing/2014/main" id="{F0244443-A4EF-4A80-9ACB-358F6397CEDB}"/>
+              </a:ext>
+            </a:extLst>
+          </p:cNvPr>
+          <p:cNvSpPr txBox="1"/>
+          <p:nvPr/>
+        </p:nvSpPr>
+        <p:spPr>
+          <a:xfrm>
+            <a:off x="4142580" y="4774431"/>
+            <a:ext cx="3906839" cy="461665"/>
+          </a:xfrm>
+          <a:prstGeom prst="rect">
+            <a:avLst/>
+          </a:prstGeom>
+          <a:noFill/>
+        </p:spPr>
+        <p:txBody>
+          <a:bodyPr wrap="none" rtlCol="0">
+            <a:spAutoFit/>
+          </a:bodyPr>
+          <a:lstStyle/>
+          <a:p>
+            <a:r>
+              <a:rPr lang="en-US" altLang="ko-KR" sz="2400" dirty="0"/>
+              <a:t>BLAKE &gt; BMW &gt; …. ECHO</a:t>
+            </a:r>
+          </a:p>
+        </p:txBody>
+      </p:sp>
+    </p:spTree>
+    <p:extLst>
+      <p:ext uri="{BB962C8B-B14F-4D97-AF65-F5344CB8AC3E}">
+        <p14:creationId xmlns:p14="http://schemas.microsoft.com/office/powerpoint/2010/main" val="1785964567"/>
+      </p:ext>
+    </p:extLst>
+  </p:cSld>
+  <p:clrMapOvr>
+    <a:masterClrMapping/>
+  </p:clrMapOvr>
+  <p:timing>
+    <p:tnLst>
+      <p:par>
+        <p:cTn id="1" dur="indefinite" restart="never" nodeType="tmRoot">
+          <p:childTnLst>
+            <p:seq concurrent="1" nextAc="seek">
+              <p:cTn id="2" dur="indefinite" nodeType="mainSeq">
+                <p:childTnLst>
+                  <p:par>
+                    <p:cTn id="3" fill="hold">
+                      <p:stCondLst>
+                        <p:cond delay="indefinite"/>
+                      </p:stCondLst>
+                      <p:childTnLst>
+                        <p:par>
+                          <p:cTn id="4" fill="hold">
+                            <p:stCondLst>
+                              <p:cond delay="0"/>
+                            </p:stCondLst>
+                            <p:childTnLst>
+                              <p:par>
+                                <p:cTn id="5" presetID="10" presetClass="entr" presetSubtype="0" fill="hold" grpId="0" nodeType="clickEffect">
+                                  <p:stCondLst>
+                                    <p:cond delay="0"/>
+                                  </p:stCondLst>
+                                  <p:childTnLst>
+                                    <p:set>
+                                      <p:cBhvr>
+                                        <p:cTn id="6" dur="1" fill="hold">
+                                          <p:stCondLst>
+                                            <p:cond delay="0"/>
+                                          </p:stCondLst>
+                                        </p:cTn>
+                                        <p:tgtEl>
+                                          <p:spTgt spid="15"/>
+                                        </p:tgtEl>
+                                        <p:attrNameLst>
+                                          <p:attrName>style.visibility</p:attrName>
+                                        </p:attrNameLst>
+                                      </p:cBhvr>
+                                      <p:to>
+                                        <p:strVal val="visible"/>
+                                      </p:to>
+                                    </p:set>
+                                    <p:animEffect transition="in" filter="fade">
+                                      <p:cBhvr>
+                                        <p:cTn id="7" dur="500"/>
+                                        <p:tgtEl>
+                                          <p:spTgt spid="15"/>
+                                        </p:tgtEl>
+                                      </p:cBhvr>
+                                    </p:animEffect>
+                                  </p:childTnLst>
+                                </p:cTn>
+                              </p:par>
+                            </p:childTnLst>
+                          </p:cTn>
+                        </p:par>
+                      </p:childTnLst>
+                    </p:cTn>
+                  </p:par>
+                </p:childTnLst>
+              </p:cTn>
+              <p:prevCondLst>
+                <p:cond evt="onPrev" delay="0">
+                  <p:tgtEl>
+                    <p:sldTgt/>
+                  </p:tgtEl>
+                </p:cond>
+              </p:prevCondLst>
+              <p:nextCondLst>
+                <p:cond evt="onNext" delay="0">
+                  <p:tgtEl>
+                    <p:sldTgt/>
+                  </p:tgtEl>
+                </p:cond>
+              </p:nextCondLst>
+            </p:seq>
+          </p:childTnLst>
+        </p:cTn>
+      </p:par>
+    </p:tnLst>
+    <p:bldLst>
+      <p:bldP spid="15" grpId="0"/>
+    </p:bldLst>
+  </p:timing>
+</p:sld>
+</file>
+
+<file path=ppt/slides/slide8.xml><?xml version="1.0" encoding="utf-8"?>
+<p:sld xmlns:a="http://schemas.openxmlformats.org/drawingml/2006/main" xmlns:r="http://schemas.openxmlformats.org/officeDocument/2006/relationships" xmlns:p="http://schemas.openxmlformats.org/presentationml/2006/main">
+  <p:cSld>
+    <p:spTree>
+      <p:nvGrpSpPr>
+        <p:cNvPr id="1" name=""/>
+        <p:cNvGrpSpPr/>
+        <p:nvPr/>
+      </p:nvGrpSpPr>
+      <p:grpSpPr>
+        <a:xfrm>
+          <a:off x="0" y="0"/>
+          <a:ext cx="0" cy="0"/>
+          <a:chOff x="0" y="0"/>
+          <a:chExt cx="0" cy="0"/>
+        </a:xfrm>
+      </p:grpSpPr>
+      <p:sp>
+        <p:nvSpPr>
+          <p:cNvPr id="10" name="직사각형 9">
+            <a:extLst>
+              <a:ext uri="{FF2B5EF4-FFF2-40B4-BE49-F238E27FC236}">
+                <a16:creationId xmlns:a16="http://schemas.microsoft.com/office/drawing/2014/main" id="{72422AE4-B2BC-47F4-A55A-7923EBDB55ED}"/>
+              </a:ext>
+            </a:extLst>
+          </p:cNvPr>
+          <p:cNvSpPr/>
+          <p:nvPr/>
+        </p:nvSpPr>
+        <p:spPr>
+          <a:xfrm>
+            <a:off x="1586143" y="1020932"/>
+            <a:ext cx="9268287" cy="45719"/>
+          </a:xfrm>
+          <a:prstGeom prst="rect">
+            <a:avLst/>
+          </a:prstGeom>
+        </p:spPr>
+        <p:style>
+          <a:lnRef idx="2">
+            <a:schemeClr val="accent1">
+              <a:shade val="50000"/>
+            </a:schemeClr>
+          </a:lnRef>
+          <a:fillRef idx="1">
+            <a:schemeClr val="accent1"/>
+          </a:fillRef>
+          <a:effectRef idx="0">
+            <a:schemeClr val="accent1"/>
+          </a:effectRef>
+          <a:fontRef idx="minor">
+            <a:schemeClr val="lt1"/>
+          </a:fontRef>
+        </p:style>
+        <p:txBody>
+          <a:bodyPr rtlCol="0" anchor="ctr"/>
+          <a:lstStyle/>
+          <a:p>
+            <a:pPr algn="ctr"/>
+            <a:endParaRPr lang="ko-KR" altLang="en-US"/>
+          </a:p>
+        </p:txBody>
+      </p:sp>
+      <p:sp>
+        <p:nvSpPr>
+          <p:cNvPr id="11" name="직사각형 10">
+            <a:extLst>
+              <a:ext uri="{FF2B5EF4-FFF2-40B4-BE49-F238E27FC236}">
+                <a16:creationId xmlns:a16="http://schemas.microsoft.com/office/drawing/2014/main" id="{88C624B5-9431-4451-97AF-3F26F9D86089}"/>
+              </a:ext>
+            </a:extLst>
+          </p:cNvPr>
+          <p:cNvSpPr/>
+          <p:nvPr/>
+        </p:nvSpPr>
+        <p:spPr>
+          <a:xfrm flipV="1">
+            <a:off x="1586143" y="6174982"/>
+            <a:ext cx="9268287" cy="45719"/>
+          </a:xfrm>
+          <a:prstGeom prst="rect">
+            <a:avLst/>
+          </a:prstGeom>
+        </p:spPr>
+        <p:style>
+          <a:lnRef idx="2">
+            <a:schemeClr val="accent1">
+              <a:shade val="50000"/>
+            </a:schemeClr>
+          </a:lnRef>
+          <a:fillRef idx="1">
+            <a:schemeClr val="accent1"/>
+          </a:fillRef>
+          <a:effectRef idx="0">
+            <a:schemeClr val="accent1"/>
+          </a:effectRef>
+          <a:fontRef idx="minor">
+            <a:schemeClr val="lt1"/>
+          </a:fontRef>
+        </p:style>
+        <p:txBody>
+          <a:bodyPr rtlCol="0" anchor="ctr"/>
+          <a:lstStyle/>
+          <a:p>
+            <a:pPr algn="ctr"/>
+            <a:endParaRPr lang="ko-KR" altLang="en-US"/>
+          </a:p>
+        </p:txBody>
+      </p:sp>
+      <p:sp>
+        <p:nvSpPr>
+          <p:cNvPr id="9" name="TextBox 8">
+            <a:extLst>
+              <a:ext uri="{FF2B5EF4-FFF2-40B4-BE49-F238E27FC236}">
+                <a16:creationId xmlns:a16="http://schemas.microsoft.com/office/drawing/2014/main" id="{892C5DDA-40EE-4B50-9C05-6AFC7089F348}"/>
+              </a:ext>
+            </a:extLst>
+          </p:cNvPr>
+          <p:cNvSpPr txBox="1"/>
+          <p:nvPr/>
+        </p:nvSpPr>
+        <p:spPr>
+          <a:xfrm>
+            <a:off x="1704513" y="620822"/>
             <a:ext cx="954107" cy="400110"/>
           </a:xfrm>
           <a:prstGeom prst="rect">
@@ -4544,6 +8819,42 @@
           </a:p>
         </p:txBody>
       </p:sp>
+      <p:pic>
+        <p:nvPicPr>
+          <p:cNvPr id="3" name="그림 2">
+            <a:extLst>
+              <a:ext uri="{FF2B5EF4-FFF2-40B4-BE49-F238E27FC236}">
+                <a16:creationId xmlns:a16="http://schemas.microsoft.com/office/drawing/2014/main" id="{E1708739-C82B-4F4B-9791-8854D5E367FF}"/>
+              </a:ext>
+            </a:extLst>
+          </p:cNvPr>
+          <p:cNvPicPr>
+            <a:picLocks noChangeAspect="1"/>
+          </p:cNvPicPr>
+          <p:nvPr/>
+        </p:nvPicPr>
+        <p:blipFill>
+          <a:blip r:embed="rId3">
+            <a:extLst>
+              <a:ext uri="{28A0092B-C50C-407E-A947-70E740481C1C}">
+                <a14:useLocalDpi xmlns:a14="http://schemas.microsoft.com/office/drawing/2010/main" val="0"/>
+              </a:ext>
+            </a:extLst>
+          </a:blip>
+          <a:stretch>
+            <a:fillRect/>
+          </a:stretch>
+        </p:blipFill>
+        <p:spPr>
+          <a:xfrm>
+            <a:off x="3143250" y="2000250"/>
+            <a:ext cx="5905500" cy="2857500"/>
+          </a:xfrm>
+          <a:prstGeom prst="rect">
+            <a:avLst/>
+          </a:prstGeom>
+        </p:spPr>
+      </p:pic>
     </p:spTree>
     <p:extLst>
       <p:ext uri="{BB962C8B-B14F-4D97-AF65-F5344CB8AC3E}">

--- a/Study/14. X11, X13 Algorithm.pptx
+++ b/Study/14. X11, X13 Algorithm.pptx
@@ -204,7 +204,7 @@
           <a:p>
             <a:fld id="{8DD9E706-E0BA-4FBD-AF15-9E3682821587}" type="datetimeFigureOut">
               <a:rPr lang="ko-KR" altLang="en-US" smtClean="0"/>
-              <a:t>2019-01-03</a:t>
+              <a:t>2019-01-04</a:t>
             </a:fld>
             <a:endParaRPr lang="ko-KR" altLang="en-US"/>
           </a:p>
@@ -2549,7 +2549,7 @@
           <a:p>
             <a:fld id="{46A2558D-9475-4DD4-8F32-96381613298F}" type="datetimeFigureOut">
               <a:rPr lang="ko-KR" altLang="en-US" smtClean="0"/>
-              <a:t>2019-01-03</a:t>
+              <a:t>2019-01-04</a:t>
             </a:fld>
             <a:endParaRPr lang="ko-KR" altLang="en-US"/>
           </a:p>
@@ -2747,7 +2747,7 @@
           <a:p>
             <a:fld id="{46A2558D-9475-4DD4-8F32-96381613298F}" type="datetimeFigureOut">
               <a:rPr lang="ko-KR" altLang="en-US" smtClean="0"/>
-              <a:t>2019-01-03</a:t>
+              <a:t>2019-01-04</a:t>
             </a:fld>
             <a:endParaRPr lang="ko-KR" altLang="en-US"/>
           </a:p>
@@ -2955,7 +2955,7 @@
           <a:p>
             <a:fld id="{46A2558D-9475-4DD4-8F32-96381613298F}" type="datetimeFigureOut">
               <a:rPr lang="ko-KR" altLang="en-US" smtClean="0"/>
-              <a:t>2019-01-03</a:t>
+              <a:t>2019-01-04</a:t>
             </a:fld>
             <a:endParaRPr lang="ko-KR" altLang="en-US"/>
           </a:p>
@@ -3153,7 +3153,7 @@
           <a:p>
             <a:fld id="{46A2558D-9475-4DD4-8F32-96381613298F}" type="datetimeFigureOut">
               <a:rPr lang="ko-KR" altLang="en-US" smtClean="0"/>
-              <a:t>2019-01-03</a:t>
+              <a:t>2019-01-04</a:t>
             </a:fld>
             <a:endParaRPr lang="ko-KR" altLang="en-US"/>
           </a:p>
@@ -3428,7 +3428,7 @@
           <a:p>
             <a:fld id="{46A2558D-9475-4DD4-8F32-96381613298F}" type="datetimeFigureOut">
               <a:rPr lang="ko-KR" altLang="en-US" smtClean="0"/>
-              <a:t>2019-01-03</a:t>
+              <a:t>2019-01-04</a:t>
             </a:fld>
             <a:endParaRPr lang="ko-KR" altLang="en-US"/>
           </a:p>
@@ -3693,7 +3693,7 @@
           <a:p>
             <a:fld id="{46A2558D-9475-4DD4-8F32-96381613298F}" type="datetimeFigureOut">
               <a:rPr lang="ko-KR" altLang="en-US" smtClean="0"/>
-              <a:t>2019-01-03</a:t>
+              <a:t>2019-01-04</a:t>
             </a:fld>
             <a:endParaRPr lang="ko-KR" altLang="en-US"/>
           </a:p>
@@ -4105,7 +4105,7 @@
           <a:p>
             <a:fld id="{46A2558D-9475-4DD4-8F32-96381613298F}" type="datetimeFigureOut">
               <a:rPr lang="ko-KR" altLang="en-US" smtClean="0"/>
-              <a:t>2019-01-03</a:t>
+              <a:t>2019-01-04</a:t>
             </a:fld>
             <a:endParaRPr lang="ko-KR" altLang="en-US"/>
           </a:p>
@@ -4246,7 +4246,7 @@
           <a:p>
             <a:fld id="{46A2558D-9475-4DD4-8F32-96381613298F}" type="datetimeFigureOut">
               <a:rPr lang="ko-KR" altLang="en-US" smtClean="0"/>
-              <a:t>2019-01-03</a:t>
+              <a:t>2019-01-04</a:t>
             </a:fld>
             <a:endParaRPr lang="ko-KR" altLang="en-US"/>
           </a:p>
@@ -4359,7 +4359,7 @@
           <a:p>
             <a:fld id="{46A2558D-9475-4DD4-8F32-96381613298F}" type="datetimeFigureOut">
               <a:rPr lang="ko-KR" altLang="en-US" smtClean="0"/>
-              <a:t>2019-01-03</a:t>
+              <a:t>2019-01-04</a:t>
             </a:fld>
             <a:endParaRPr lang="ko-KR" altLang="en-US"/>
           </a:p>
@@ -4670,7 +4670,7 @@
           <a:p>
             <a:fld id="{46A2558D-9475-4DD4-8F32-96381613298F}" type="datetimeFigureOut">
               <a:rPr lang="ko-KR" altLang="en-US" smtClean="0"/>
-              <a:t>2019-01-03</a:t>
+              <a:t>2019-01-04</a:t>
             </a:fld>
             <a:endParaRPr lang="ko-KR" altLang="en-US"/>
           </a:p>
@@ -4958,7 +4958,7 @@
           <a:p>
             <a:fld id="{46A2558D-9475-4DD4-8F32-96381613298F}" type="datetimeFigureOut">
               <a:rPr lang="ko-KR" altLang="en-US" smtClean="0"/>
-              <a:t>2019-01-03</a:t>
+              <a:t>2019-01-04</a:t>
             </a:fld>
             <a:endParaRPr lang="ko-KR" altLang="en-US"/>
           </a:p>
@@ -5199,7 +5199,7 @@
           <a:p>
             <a:fld id="{46A2558D-9475-4DD4-8F32-96381613298F}" type="datetimeFigureOut">
               <a:rPr lang="ko-KR" altLang="en-US" smtClean="0"/>
-              <a:t>2019-01-03</a:t>
+              <a:t>2019-01-04</a:t>
             </a:fld>
             <a:endParaRPr lang="ko-KR" altLang="en-US"/>
           </a:p>
